--- a/授業資料/演習問題：ビット処理2025案.pptx
+++ b/授業資料/演習問題：ビット処理2025案.pptx
@@ -5,21 +5,24 @@
     <p:sldMasterId id="2147483666" r:id="rId1"/>
   </p:sldMasterIdLst>
   <p:notesMasterIdLst>
-    <p:notesMasterId r:id="rId14"/>
+    <p:notesMasterId r:id="rId17"/>
   </p:notesMasterIdLst>
   <p:sldIdLst>
     <p:sldId id="289" r:id="rId2"/>
     <p:sldId id="277" r:id="rId3"/>
-    <p:sldId id="278" r:id="rId4"/>
-    <p:sldId id="279" r:id="rId5"/>
-    <p:sldId id="280" r:id="rId6"/>
-    <p:sldId id="282" r:id="rId7"/>
-    <p:sldId id="283" r:id="rId8"/>
-    <p:sldId id="284" r:id="rId9"/>
-    <p:sldId id="285" r:id="rId10"/>
-    <p:sldId id="286" r:id="rId11"/>
-    <p:sldId id="287" r:id="rId12"/>
-    <p:sldId id="288" r:id="rId13"/>
+    <p:sldId id="290" r:id="rId4"/>
+    <p:sldId id="291" r:id="rId5"/>
+    <p:sldId id="292" r:id="rId6"/>
+    <p:sldId id="278" r:id="rId7"/>
+    <p:sldId id="279" r:id="rId8"/>
+    <p:sldId id="280" r:id="rId9"/>
+    <p:sldId id="282" r:id="rId10"/>
+    <p:sldId id="283" r:id="rId11"/>
+    <p:sldId id="284" r:id="rId12"/>
+    <p:sldId id="285" r:id="rId13"/>
+    <p:sldId id="286" r:id="rId14"/>
+    <p:sldId id="287" r:id="rId15"/>
+    <p:sldId id="288" r:id="rId16"/>
   </p:sldIdLst>
   <p:sldSz cx="12192000" cy="6858000"/>
   <p:notesSz cx="12192000" cy="6858000"/>
@@ -219,7 +222,7 @@
           <a:p>
             <a:fld id="{087996C2-12BB-4EB0-A0AF-5C45AD62C633}" type="datetimeFigureOut">
               <a:rPr kumimoji="1" lang="ja-JP" altLang="en-US" smtClean="0"/>
-              <a:t>2025/6/24</a:t>
+              <a:t>2025/6/25</a:t>
             </a:fld>
             <a:endParaRPr kumimoji="1" lang="ja-JP" altLang="en-US"/>
           </a:p>
@@ -715,7 +718,7 @@
           <a:p>
             <a:fld id="{1D8BD707-D9CF-40AE-B4C6-C98DA3205C09}" type="datetimeFigureOut">
               <a:rPr lang="en-US" smtClean="0"/>
-              <a:t>6/24/2025</a:t>
+              <a:t>6/25/2025</a:t>
             </a:fld>
             <a:endParaRPr lang="en-US"/>
           </a:p>
@@ -945,7 +948,7 @@
           <a:p>
             <a:fld id="{1D8BD707-D9CF-40AE-B4C6-C98DA3205C09}" type="datetimeFigureOut">
               <a:rPr lang="en-US" smtClean="0"/>
-              <a:t>6/24/2025</a:t>
+              <a:t>6/25/2025</a:t>
             </a:fld>
             <a:endParaRPr lang="en-US"/>
           </a:p>
@@ -1185,7 +1188,7 @@
           <a:p>
             <a:fld id="{1D8BD707-D9CF-40AE-B4C6-C98DA3205C09}" type="datetimeFigureOut">
               <a:rPr lang="en-US" smtClean="0"/>
-              <a:t>6/24/2025</a:t>
+              <a:t>6/25/2025</a:t>
             </a:fld>
             <a:endParaRPr lang="en-US"/>
           </a:p>
@@ -1431,7 +1434,7 @@
           <a:p>
             <a:fld id="{1D8BD707-D9CF-40AE-B4C6-C98DA3205C09}" type="datetimeFigureOut">
               <a:rPr lang="en-US" smtClean="0"/>
-              <a:t>6/24/2025</a:t>
+              <a:t>6/25/2025</a:t>
             </a:fld>
             <a:endParaRPr lang="en-US"/>
           </a:p>
@@ -1706,7 +1709,7 @@
           <a:p>
             <a:fld id="{1D8BD707-D9CF-40AE-B4C6-C98DA3205C09}" type="datetimeFigureOut">
               <a:rPr lang="en-US" smtClean="0"/>
-              <a:t>6/24/2025</a:t>
+              <a:t>6/25/2025</a:t>
             </a:fld>
             <a:endParaRPr lang="en-US"/>
           </a:p>
@@ -2035,7 +2038,7 @@
           <a:p>
             <a:fld id="{1D8BD707-D9CF-40AE-B4C6-C98DA3205C09}" type="datetimeFigureOut">
               <a:rPr lang="en-US" smtClean="0"/>
-              <a:t>6/24/2025</a:t>
+              <a:t>6/25/2025</a:t>
             </a:fld>
             <a:endParaRPr lang="en-US"/>
           </a:p>
@@ -2511,7 +2514,7 @@
           <a:p>
             <a:fld id="{1D8BD707-D9CF-40AE-B4C6-C98DA3205C09}" type="datetimeFigureOut">
               <a:rPr lang="en-US" smtClean="0"/>
-              <a:t>6/24/2025</a:t>
+              <a:t>6/25/2025</a:t>
             </a:fld>
             <a:endParaRPr lang="en-US"/>
           </a:p>
@@ -2652,7 +2655,7 @@
           <a:p>
             <a:fld id="{1D8BD707-D9CF-40AE-B4C6-C98DA3205C09}" type="datetimeFigureOut">
               <a:rPr lang="en-US" smtClean="0"/>
-              <a:t>6/24/2025</a:t>
+              <a:t>6/25/2025</a:t>
             </a:fld>
             <a:endParaRPr lang="en-US"/>
           </a:p>
@@ -2765,7 +2768,7 @@
           <a:p>
             <a:fld id="{1D8BD707-D9CF-40AE-B4C6-C98DA3205C09}" type="datetimeFigureOut">
               <a:rPr lang="en-US" smtClean="0"/>
-              <a:t>6/24/2025</a:t>
+              <a:t>6/25/2025</a:t>
             </a:fld>
             <a:endParaRPr lang="en-US"/>
           </a:p>
@@ -3108,7 +3111,7 @@
           <a:p>
             <a:fld id="{1D8BD707-D9CF-40AE-B4C6-C98DA3205C09}" type="datetimeFigureOut">
               <a:rPr lang="en-US" smtClean="0"/>
-              <a:t>6/24/2025</a:t>
+              <a:t>6/25/2025</a:t>
             </a:fld>
             <a:endParaRPr lang="en-US"/>
           </a:p>
@@ -3412,7 +3415,7 @@
           <a:p>
             <a:fld id="{1D8BD707-D9CF-40AE-B4C6-C98DA3205C09}" type="datetimeFigureOut">
               <a:rPr lang="en-US" smtClean="0"/>
-              <a:t>6/24/2025</a:t>
+              <a:t>6/25/2025</a:t>
             </a:fld>
             <a:endParaRPr lang="en-US"/>
           </a:p>
@@ -3685,7 +3688,7 @@
           <a:p>
             <a:fld id="{1D8BD707-D9CF-40AE-B4C6-C98DA3205C09}" type="datetimeFigureOut">
               <a:rPr lang="en-US" smtClean="0"/>
-              <a:t>6/24/2025</a:t>
+              <a:t>6/25/2025</a:t>
             </a:fld>
             <a:endParaRPr lang="en-US"/>
           </a:p>
@@ -4219,7 +4222,7 @@
         <p:spPr/>
         <p:txBody>
           <a:bodyPr>
-            <a:normAutofit lnSpcReduction="10000"/>
+            <a:normAutofit/>
           </a:bodyPr>
           <a:lstStyle/>
           <a:p>
@@ -4229,43 +4232,10 @@
             </a:r>
             <a:r>
               <a:rPr kumimoji="1" lang="ja-JP" altLang="en-US" sz="3200" dirty="0"/>
-              <a:t>のプログラムビットを用いたフラグデータ管理を行う。</a:t>
+              <a:t>のプログラムを変更して</a:t>
             </a:r>
             <a:br>
               <a:rPr kumimoji="1" lang="en-US" altLang="ja-JP" sz="3200" dirty="0"/>
-            </a:br>
-            <a:r>
-              <a:rPr kumimoji="1" lang="ja-JP" altLang="en-US" sz="3200" dirty="0"/>
-              <a:t>各状態を列挙型</a:t>
-            </a:r>
-            <a:r>
-              <a:rPr kumimoji="1" lang="en-US" altLang="ja-JP" sz="3200" dirty="0" err="1"/>
-              <a:t>enum</a:t>
-            </a:r>
-            <a:r>
-              <a:rPr kumimoji="1" lang="ja-JP" altLang="en-US" sz="3200" dirty="0"/>
-              <a:t>で定義して、</a:t>
-            </a:r>
-            <a:br>
-              <a:rPr kumimoji="1" lang="en-US" altLang="ja-JP" sz="3200" dirty="0"/>
-            </a:br>
-            <a:br>
-              <a:rPr kumimoji="1" lang="en-US" altLang="ja-JP" sz="3200" dirty="0"/>
-            </a:br>
-            <a:r>
-              <a:rPr kumimoji="1" lang="ja-JP" altLang="en-US" sz="3200" dirty="0"/>
-              <a:t>・</a:t>
-            </a:r>
-            <a:r>
-              <a:rPr kumimoji="1" lang="en-US" altLang="ja-JP" sz="3200" dirty="0" err="1"/>
-              <a:t>dispStatus</a:t>
-            </a:r>
-            <a:r>
-              <a:rPr lang="ja-JP" altLang="en-US" sz="3200" dirty="0"/>
-              <a:t>関数で現在の状態フラグを表示</a:t>
-            </a:r>
-            <a:br>
-              <a:rPr lang="en-US" altLang="ja-JP" sz="3200" dirty="0"/>
             </a:br>
             <a:br>
               <a:rPr lang="en-US" altLang="ja-JP" sz="3200" dirty="0"/>
@@ -4328,7 +4298,7 @@
 </file>
 
 <file path=ppt/slides/slide10.xml><?xml version="1.0" encoding="utf-8"?>
-<p:sld xmlns:a="http://schemas.openxmlformats.org/drawingml/2006/main" xmlns:r="http://schemas.openxmlformats.org/officeDocument/2006/relationships" xmlns:p="http://schemas.openxmlformats.org/presentationml/2006/main">
+<p:sld xmlns:a="http://schemas.openxmlformats.org/drawingml/2006/main" xmlns:r="http://schemas.openxmlformats.org/officeDocument/2006/relationships" xmlns:p="http://schemas.openxmlformats.org/presentationml/2006/main" show="0">
   <p:cSld>
     <p:spTree>
       <p:nvGrpSpPr>
@@ -4371,7 +4341,7 @@
             </a:r>
             <a:r>
               <a:rPr lang="ja-JP" altLang="en-US" dirty="0"/>
-              <a:t>　（④状態フラグのクリアを追加）</a:t>
+              <a:t>　（②状態フラグに火傷を追加）</a:t>
             </a:r>
             <a:endParaRPr kumimoji="1" lang="ja-JP" altLang="en-US" dirty="0"/>
           </a:p>
@@ -4402,7 +4372,7 @@
         </p:spPr>
         <p:txBody>
           <a:bodyPr>
-            <a:normAutofit/>
+            <a:normAutofit lnSpcReduction="10000"/>
           </a:bodyPr>
           <a:lstStyle/>
           <a:p>
@@ -4411,51 +4381,6 @@
             </a:pPr>
             <a:r>
               <a:rPr kumimoji="1" lang="en-US" altLang="ja-JP" dirty="0"/>
-              <a:t>void </a:t>
-            </a:r>
-            <a:r>
-              <a:rPr kumimoji="1" lang="en-US" altLang="ja-JP" dirty="0" err="1"/>
-              <a:t>changeStatus</a:t>
-            </a:r>
-            <a:r>
-              <a:rPr kumimoji="1" lang="en-US" altLang="ja-JP" dirty="0"/>
-              <a:t>(UINT*)</a:t>
-            </a:r>
-            <a:br>
-              <a:rPr kumimoji="1" lang="en-US" altLang="ja-JP" dirty="0"/>
-            </a:br>
-            <a:r>
-              <a:rPr kumimoji="1" lang="en-US" altLang="ja-JP" dirty="0">
-                <a:solidFill>
-                  <a:srgbClr val="FF0000"/>
-                </a:solidFill>
-              </a:rPr>
-              <a:t>void </a:t>
-            </a:r>
-            <a:r>
-              <a:rPr kumimoji="1" lang="en-US" altLang="ja-JP" dirty="0" err="1">
-                <a:solidFill>
-                  <a:srgbClr val="FF0000"/>
-                </a:solidFill>
-              </a:rPr>
-              <a:t>clearStatus</a:t>
-            </a:r>
-            <a:r>
-              <a:rPr kumimoji="1" lang="en-US" altLang="ja-JP" dirty="0">
-                <a:solidFill>
-                  <a:srgbClr val="FF0000"/>
-                </a:solidFill>
-              </a:rPr>
-              <a:t>(UINT*)</a:t>
-            </a:r>
-            <a:br>
-              <a:rPr kumimoji="1" lang="en-US" altLang="ja-JP" dirty="0"/>
-            </a:br>
-            <a:br>
-              <a:rPr kumimoji="1" lang="en-US" altLang="ja-JP" dirty="0"/>
-            </a:br>
-            <a:r>
-              <a:rPr kumimoji="1" lang="en-US" altLang="ja-JP" dirty="0"/>
               <a:t>main(){</a:t>
             </a:r>
             <a:br>
@@ -4504,25 +4429,134 @@
             </a:r>
             <a:r>
               <a:rPr kumimoji="1" lang="ja-JP" altLang="en-US" dirty="0"/>
-              <a:t>状態を変化させる</a:t>
-            </a:r>
-            <a:br>
-              <a:rPr kumimoji="1" lang="en-US" altLang="ja-JP" dirty="0"/>
-            </a:br>
-            <a:r>
-              <a:rPr kumimoji="1" lang="en-US" altLang="ja-JP" dirty="0"/>
+              <a:t>毒状態にする（</a:t>
+            </a:r>
+            <a:r>
+              <a:rPr kumimoji="1" lang="en-US" altLang="ja-JP" dirty="0"/>
+              <a:t>Status</a:t>
+            </a:r>
+            <a:r>
+              <a:rPr kumimoji="1" lang="ja-JP" altLang="en-US" dirty="0"/>
+              <a:t>に</a:t>
+            </a:r>
+            <a:r>
+              <a:rPr kumimoji="1" lang="en-US" altLang="ja-JP" dirty="0"/>
+              <a:t>Poison</a:t>
+            </a:r>
+            <a:r>
+              <a:rPr kumimoji="1" lang="ja-JP" altLang="en-US" dirty="0"/>
+              <a:t>を</a:t>
+            </a:r>
+            <a:r>
+              <a:rPr kumimoji="1" lang="en-US" altLang="ja-JP" dirty="0"/>
+              <a:t>OR</a:t>
+            </a:r>
+            <a:r>
+              <a:rPr kumimoji="1" lang="ja-JP" altLang="en-US" dirty="0"/>
+              <a:t>演算）</a:t>
+            </a:r>
+            <a:br>
+              <a:rPr kumimoji="1" lang="en-US" altLang="ja-JP" dirty="0"/>
+            </a:br>
+            <a:r>
+              <a:rPr kumimoji="1" lang="en-US" altLang="ja-JP" dirty="0"/>
+              <a:t>  Status = Status | Poison;</a:t>
+            </a:r>
+            <a:br>
+              <a:rPr lang="en-US" altLang="ja-JP" dirty="0"/>
+            </a:br>
+            <a:br>
+              <a:rPr lang="en-US" altLang="ja-JP" dirty="0"/>
+            </a:br>
+            <a:r>
+              <a:rPr lang="en-US" altLang="ja-JP" dirty="0"/>
               <a:t>  </a:t>
             </a:r>
             <a:r>
-              <a:rPr kumimoji="1" lang="en-US" altLang="ja-JP" dirty="0" err="1"/>
-              <a:t>changeStatus</a:t>
-            </a:r>
-            <a:r>
-              <a:rPr kumimoji="1" lang="en-US" altLang="ja-JP" dirty="0"/>
-              <a:t>(&amp;Status);</a:t>
-            </a:r>
-            <a:br>
-              <a:rPr lang="en-US" altLang="ja-JP" dirty="0"/>
+              <a:rPr lang="en-US" altLang="ja-JP" dirty="0">
+                <a:solidFill>
+                  <a:srgbClr val="FF0000"/>
+                </a:solidFill>
+              </a:rPr>
+              <a:t>//</a:t>
+            </a:r>
+            <a:r>
+              <a:rPr lang="ja-JP" altLang="en-US" dirty="0">
+                <a:solidFill>
+                  <a:srgbClr val="FF0000"/>
+                </a:solidFill>
+              </a:rPr>
+              <a:t>火傷状態にする（</a:t>
+            </a:r>
+            <a:r>
+              <a:rPr lang="en-US" altLang="ja-JP" dirty="0">
+                <a:solidFill>
+                  <a:srgbClr val="FF0000"/>
+                </a:solidFill>
+              </a:rPr>
+              <a:t>Status</a:t>
+            </a:r>
+            <a:r>
+              <a:rPr lang="ja-JP" altLang="en-US" dirty="0">
+                <a:solidFill>
+                  <a:srgbClr val="FF0000"/>
+                </a:solidFill>
+              </a:rPr>
+              <a:t>に</a:t>
+            </a:r>
+            <a:r>
+              <a:rPr lang="en-US" altLang="ja-JP" dirty="0">
+                <a:solidFill>
+                  <a:srgbClr val="FF0000"/>
+                </a:solidFill>
+              </a:rPr>
+              <a:t>Burn</a:t>
+            </a:r>
+            <a:r>
+              <a:rPr lang="ja-JP" altLang="en-US" dirty="0">
+                <a:solidFill>
+                  <a:srgbClr val="FF0000"/>
+                </a:solidFill>
+              </a:rPr>
+              <a:t>を</a:t>
+            </a:r>
+            <a:r>
+              <a:rPr lang="en-US" altLang="ja-JP" dirty="0">
+                <a:solidFill>
+                  <a:srgbClr val="FF0000"/>
+                </a:solidFill>
+              </a:rPr>
+              <a:t>OR</a:t>
+            </a:r>
+            <a:r>
+              <a:rPr lang="ja-JP" altLang="en-US" dirty="0">
+                <a:solidFill>
+                  <a:srgbClr val="FF0000"/>
+                </a:solidFill>
+              </a:rPr>
+              <a:t>演算）</a:t>
+            </a:r>
+            <a:br>
+              <a:rPr lang="en-US" altLang="ja-JP" dirty="0">
+                <a:solidFill>
+                  <a:srgbClr val="FF0000"/>
+                </a:solidFill>
+              </a:rPr>
+            </a:br>
+            <a:r>
+              <a:rPr lang="en-US" altLang="ja-JP" dirty="0">
+                <a:solidFill>
+                  <a:srgbClr val="FF0000"/>
+                </a:solidFill>
+              </a:rPr>
+              <a:t>  Status |= Burn;</a:t>
+            </a:r>
+            <a:br>
+              <a:rPr lang="en-US" altLang="ja-JP" dirty="0">
+                <a:solidFill>
+                  <a:srgbClr val="FF0000"/>
+                </a:solidFill>
+              </a:rPr>
             </a:br>
             <a:br>
               <a:rPr kumimoji="1" lang="en-US" altLang="ja-JP" dirty="0"/>
@@ -4554,14 +4588,60 @@
               <a:rPr lang="en-US" altLang="ja-JP" dirty="0"/>
               <a:t>(Status);</a:t>
             </a:r>
+            <a:br>
+              <a:rPr lang="en-US" altLang="ja-JP" dirty="0"/>
+            </a:br>
+            <a:r>
+              <a:rPr lang="en-US" altLang="ja-JP" dirty="0"/>
+              <a:t>}</a:t>
+            </a:r>
             <a:endParaRPr kumimoji="1" lang="en-US" altLang="ja-JP" dirty="0"/>
+          </a:p>
+        </p:txBody>
+      </p:sp>
+      <p:sp>
+        <p:nvSpPr>
+          <p:cNvPr id="4" name="テキスト ボックス 3">
+            <a:extLst>
+              <a:ext uri="{FF2B5EF4-FFF2-40B4-BE49-F238E27FC236}">
+                <a16:creationId xmlns:a16="http://schemas.microsoft.com/office/drawing/2014/main" id="{C9E09DC7-62E8-4E3F-A511-29D566E3D501}"/>
+              </a:ext>
+            </a:extLst>
+          </p:cNvPr>
+          <p:cNvSpPr txBox="1"/>
+          <p:nvPr/>
+        </p:nvSpPr>
+        <p:spPr>
+          <a:xfrm>
+            <a:off x="6117771" y="5447306"/>
+            <a:ext cx="5097870" cy="707886"/>
+          </a:xfrm>
+          <a:prstGeom prst="rect">
+            <a:avLst/>
+          </a:prstGeom>
+          <a:noFill/>
+        </p:spPr>
+        <p:txBody>
+          <a:bodyPr wrap="none" rtlCol="0">
+            <a:spAutoFit/>
+          </a:bodyPr>
+          <a:lstStyle/>
+          <a:p>
+            <a:r>
+              <a:rPr kumimoji="1" lang="ja-JP" altLang="en-US" sz="4000" dirty="0">
+                <a:solidFill>
+                  <a:srgbClr val="00B050"/>
+                </a:solidFill>
+              </a:rPr>
+              <a:t>追加して実行してみる</a:t>
+            </a:r>
           </a:p>
         </p:txBody>
       </p:sp>
     </p:spTree>
     <p:extLst>
       <p:ext uri="{BB962C8B-B14F-4D97-AF65-F5344CB8AC3E}">
-        <p14:creationId xmlns:p14="http://schemas.microsoft.com/office/powerpoint/2010/main" val="3547726515"/>
+        <p14:creationId xmlns:p14="http://schemas.microsoft.com/office/powerpoint/2010/main" val="1667843084"/>
       </p:ext>
     </p:extLst>
   </p:cSld>
@@ -4572,7 +4652,7 @@
 </file>
 
 <file path=ppt/slides/slide11.xml><?xml version="1.0" encoding="utf-8"?>
-<p:sld xmlns:a="http://schemas.openxmlformats.org/drawingml/2006/main" xmlns:r="http://schemas.openxmlformats.org/officeDocument/2006/relationships" xmlns:p="http://schemas.openxmlformats.org/presentationml/2006/main">
+<p:sld xmlns:a="http://schemas.openxmlformats.org/drawingml/2006/main" xmlns:r="http://schemas.openxmlformats.org/officeDocument/2006/relationships" xmlns:p="http://schemas.openxmlformats.org/presentationml/2006/main" show="0">
   <p:cSld>
     <p:spTree>
       <p:nvGrpSpPr>
@@ -4615,6 +4695,1069 @@
             </a:r>
             <a:r>
               <a:rPr lang="ja-JP" altLang="en-US" dirty="0"/>
+              <a:t>　（③状態フラグの変更を追加）</a:t>
+            </a:r>
+            <a:endParaRPr kumimoji="1" lang="ja-JP" altLang="en-US" dirty="0"/>
+          </a:p>
+        </p:txBody>
+      </p:sp>
+      <p:sp>
+        <p:nvSpPr>
+          <p:cNvPr id="3" name="コンテンツ プレースホルダー 2">
+            <a:extLst>
+              <a:ext uri="{FF2B5EF4-FFF2-40B4-BE49-F238E27FC236}">
+                <a16:creationId xmlns:a16="http://schemas.microsoft.com/office/drawing/2014/main" id="{4EB2B356-EDF6-25E4-62BF-DBB51B977CFA}"/>
+              </a:ext>
+            </a:extLst>
+          </p:cNvPr>
+          <p:cNvSpPr>
+            <a:spLocks noGrp="1"/>
+          </p:cNvSpPr>
+          <p:nvPr>
+            <p:ph idx="1"/>
+          </p:nvPr>
+        </p:nvSpPr>
+        <p:spPr>
+          <a:ln>
+            <a:solidFill>
+              <a:schemeClr val="tx1"/>
+            </a:solidFill>
+          </a:ln>
+        </p:spPr>
+        <p:txBody>
+          <a:bodyPr>
+            <a:normAutofit/>
+          </a:bodyPr>
+          <a:lstStyle/>
+          <a:p>
+            <a:pPr marL="0" indent="0">
+              <a:buNone/>
+            </a:pPr>
+            <a:r>
+              <a:rPr kumimoji="1" lang="en-US" altLang="ja-JP" dirty="0">
+                <a:solidFill>
+                  <a:srgbClr val="FF0000"/>
+                </a:solidFill>
+              </a:rPr>
+              <a:t>void </a:t>
+            </a:r>
+            <a:r>
+              <a:rPr kumimoji="1" lang="en-US" altLang="ja-JP" dirty="0" err="1">
+                <a:solidFill>
+                  <a:srgbClr val="FF0000"/>
+                </a:solidFill>
+              </a:rPr>
+              <a:t>changeStatus</a:t>
+            </a:r>
+            <a:r>
+              <a:rPr kumimoji="1" lang="en-US" altLang="ja-JP" dirty="0">
+                <a:solidFill>
+                  <a:srgbClr val="FF0000"/>
+                </a:solidFill>
+              </a:rPr>
+              <a:t>(UINT*)</a:t>
+            </a:r>
+            <a:br>
+              <a:rPr kumimoji="1" lang="en-US" altLang="ja-JP" dirty="0"/>
+            </a:br>
+            <a:br>
+              <a:rPr kumimoji="1" lang="en-US" altLang="ja-JP" dirty="0"/>
+            </a:br>
+            <a:r>
+              <a:rPr kumimoji="1" lang="en-US" altLang="ja-JP" dirty="0"/>
+              <a:t>main(){</a:t>
+            </a:r>
+            <a:br>
+              <a:rPr kumimoji="1" lang="en-US" altLang="ja-JP" dirty="0"/>
+            </a:br>
+            <a:r>
+              <a:rPr kumimoji="1" lang="en-US" altLang="ja-JP" dirty="0"/>
+              <a:t>  //</a:t>
+            </a:r>
+            <a:r>
+              <a:rPr kumimoji="1" lang="ja-JP" altLang="en-US" dirty="0"/>
+              <a:t>符号無し整数 </a:t>
+            </a:r>
+            <a:r>
+              <a:rPr kumimoji="1" lang="en-US" altLang="ja-JP" dirty="0"/>
+              <a:t>Status </a:t>
+            </a:r>
+            <a:r>
+              <a:rPr kumimoji="1" lang="ja-JP" altLang="en-US" dirty="0"/>
+              <a:t>を宣言して </a:t>
+            </a:r>
+            <a:r>
+              <a:rPr kumimoji="1" lang="en-US" altLang="ja-JP" dirty="0"/>
+              <a:t>Base(0) </a:t>
+            </a:r>
+            <a:r>
+              <a:rPr kumimoji="1" lang="ja-JP" altLang="en-US" dirty="0"/>
+              <a:t>を代入</a:t>
+            </a:r>
+            <a:br>
+              <a:rPr kumimoji="1" lang="en-US" altLang="ja-JP" dirty="0"/>
+            </a:br>
+            <a:r>
+              <a:rPr kumimoji="1" lang="en-US" altLang="ja-JP" dirty="0"/>
+              <a:t>  UINT Status = Base;</a:t>
+            </a:r>
+            <a:br>
+              <a:rPr kumimoji="1" lang="en-US" altLang="ja-JP" dirty="0"/>
+            </a:br>
+            <a:br>
+              <a:rPr kumimoji="1" lang="en-US" altLang="ja-JP" dirty="0"/>
+            </a:br>
+            <a:r>
+              <a:rPr kumimoji="1" lang="en-US" altLang="ja-JP" dirty="0">
+                <a:solidFill>
+                  <a:srgbClr val="FF0000"/>
+                </a:solidFill>
+              </a:rPr>
+              <a:t>  //</a:t>
+            </a:r>
+            <a:r>
+              <a:rPr kumimoji="1" lang="ja-JP" altLang="en-US" dirty="0">
+                <a:solidFill>
+                  <a:srgbClr val="FF0000"/>
+                </a:solidFill>
+              </a:rPr>
+              <a:t>状態を変化させる</a:t>
+            </a:r>
+            <a:br>
+              <a:rPr kumimoji="1" lang="en-US" altLang="ja-JP" dirty="0">
+                <a:solidFill>
+                  <a:srgbClr val="FF0000"/>
+                </a:solidFill>
+              </a:rPr>
+            </a:br>
+            <a:r>
+              <a:rPr kumimoji="1" lang="en-US" altLang="ja-JP" dirty="0">
+                <a:solidFill>
+                  <a:srgbClr val="FF0000"/>
+                </a:solidFill>
+              </a:rPr>
+              <a:t>  </a:t>
+            </a:r>
+            <a:r>
+              <a:rPr kumimoji="1" lang="en-US" altLang="ja-JP" dirty="0" err="1">
+                <a:solidFill>
+                  <a:srgbClr val="FF0000"/>
+                </a:solidFill>
+              </a:rPr>
+              <a:t>changeStatus</a:t>
+            </a:r>
+            <a:r>
+              <a:rPr kumimoji="1" lang="en-US" altLang="ja-JP" dirty="0">
+                <a:solidFill>
+                  <a:srgbClr val="FF0000"/>
+                </a:solidFill>
+              </a:rPr>
+              <a:t>(&amp;Status);</a:t>
+            </a:r>
+            <a:br>
+              <a:rPr lang="en-US" altLang="ja-JP" dirty="0">
+                <a:solidFill>
+                  <a:srgbClr val="FF0000"/>
+                </a:solidFill>
+              </a:rPr>
+            </a:br>
+            <a:br>
+              <a:rPr kumimoji="1" lang="en-US" altLang="ja-JP" dirty="0"/>
+            </a:br>
+            <a:r>
+              <a:rPr kumimoji="1" lang="ja-JP" altLang="en-US" dirty="0"/>
+              <a:t>　　</a:t>
+            </a:r>
+            <a:r>
+              <a:rPr kumimoji="1" lang="en-US" altLang="ja-JP" dirty="0"/>
+              <a:t>//</a:t>
+            </a:r>
+            <a:r>
+              <a:rPr lang="ja-JP" altLang="en-US" dirty="0"/>
+              <a:t>現在の状態を表示</a:t>
+            </a:r>
+            <a:br>
+              <a:rPr lang="en-US" altLang="ja-JP" dirty="0"/>
+            </a:br>
+            <a:r>
+              <a:rPr lang="en-US" altLang="ja-JP" dirty="0"/>
+              <a:t>  </a:t>
+            </a:r>
+            <a:r>
+              <a:rPr lang="en-US" altLang="ja-JP" dirty="0" err="1"/>
+              <a:t>dispStatus</a:t>
+            </a:r>
+            <a:r>
+              <a:rPr lang="en-US" altLang="ja-JP" dirty="0"/>
+              <a:t>(Status);</a:t>
+            </a:r>
+            <a:br>
+              <a:rPr lang="en-US" altLang="ja-JP" dirty="0"/>
+            </a:br>
+            <a:r>
+              <a:rPr lang="en-US" altLang="ja-JP" dirty="0"/>
+              <a:t>}</a:t>
+            </a:r>
+            <a:endParaRPr kumimoji="1" lang="en-US" altLang="ja-JP" dirty="0"/>
+          </a:p>
+        </p:txBody>
+      </p:sp>
+    </p:spTree>
+    <p:extLst>
+      <p:ext uri="{BB962C8B-B14F-4D97-AF65-F5344CB8AC3E}">
+        <p14:creationId xmlns:p14="http://schemas.microsoft.com/office/powerpoint/2010/main" val="1528286512"/>
+      </p:ext>
+    </p:extLst>
+  </p:cSld>
+  <p:clrMapOvr>
+    <a:masterClrMapping/>
+  </p:clrMapOvr>
+</p:sld>
+</file>
+
+<file path=ppt/slides/slide12.xml><?xml version="1.0" encoding="utf-8"?>
+<p:sld xmlns:a="http://schemas.openxmlformats.org/drawingml/2006/main" xmlns:r="http://schemas.openxmlformats.org/officeDocument/2006/relationships" xmlns:p="http://schemas.openxmlformats.org/presentationml/2006/main" show="0">
+  <p:cSld>
+    <p:spTree>
+      <p:nvGrpSpPr>
+        <p:cNvPr id="1" name=""/>
+        <p:cNvGrpSpPr/>
+        <p:nvPr/>
+      </p:nvGrpSpPr>
+      <p:grpSpPr>
+        <a:xfrm>
+          <a:off x="0" y="0"/>
+          <a:ext cx="0" cy="0"/>
+          <a:chOff x="0" y="0"/>
+          <a:chExt cx="0" cy="0"/>
+        </a:xfrm>
+      </p:grpSpPr>
+      <p:sp>
+        <p:nvSpPr>
+          <p:cNvPr id="2" name="タイトル 1">
+            <a:extLst>
+              <a:ext uri="{FF2B5EF4-FFF2-40B4-BE49-F238E27FC236}">
+                <a16:creationId xmlns:a16="http://schemas.microsoft.com/office/drawing/2014/main" id="{5B438378-E70B-D0A9-515C-B6E7AECAD9F8}"/>
+              </a:ext>
+            </a:extLst>
+          </p:cNvPr>
+          <p:cNvSpPr>
+            <a:spLocks noGrp="1"/>
+          </p:cNvSpPr>
+          <p:nvPr>
+            <p:ph type="title"/>
+          </p:nvPr>
+        </p:nvSpPr>
+        <p:spPr/>
+        <p:txBody>
+          <a:bodyPr/>
+          <a:lstStyle/>
+          <a:p>
+            <a:r>
+              <a:rPr lang="en-US" altLang="ja-JP" dirty="0" err="1"/>
+              <a:t>bit.c</a:t>
+            </a:r>
+            <a:r>
+              <a:rPr lang="ja-JP" altLang="en-US" dirty="0"/>
+              <a:t>　（③状態フラグの変更を追加）</a:t>
+            </a:r>
+            <a:endParaRPr kumimoji="1" lang="ja-JP" altLang="en-US" dirty="0"/>
+          </a:p>
+        </p:txBody>
+      </p:sp>
+      <p:sp>
+        <p:nvSpPr>
+          <p:cNvPr id="3" name="コンテンツ プレースホルダー 2">
+            <a:extLst>
+              <a:ext uri="{FF2B5EF4-FFF2-40B4-BE49-F238E27FC236}">
+                <a16:creationId xmlns:a16="http://schemas.microsoft.com/office/drawing/2014/main" id="{4EB2B356-EDF6-25E4-62BF-DBB51B977CFA}"/>
+              </a:ext>
+            </a:extLst>
+          </p:cNvPr>
+          <p:cNvSpPr>
+            <a:spLocks noGrp="1"/>
+          </p:cNvSpPr>
+          <p:nvPr>
+            <p:ph idx="1"/>
+          </p:nvPr>
+        </p:nvSpPr>
+        <p:spPr>
+          <a:ln>
+            <a:solidFill>
+              <a:schemeClr val="tx1"/>
+            </a:solidFill>
+          </a:ln>
+        </p:spPr>
+        <p:txBody>
+          <a:bodyPr>
+            <a:normAutofit/>
+          </a:bodyPr>
+          <a:lstStyle/>
+          <a:p>
+            <a:pPr marL="0" indent="0">
+              <a:buNone/>
+            </a:pPr>
+            <a:r>
+              <a:rPr lang="en-US" altLang="ja-JP" dirty="0" err="1">
+                <a:solidFill>
+                  <a:srgbClr val="FF0000"/>
+                </a:solidFill>
+              </a:rPr>
+              <a:t>changeStatus</a:t>
+            </a:r>
+            <a:r>
+              <a:rPr kumimoji="1" lang="en-US" altLang="ja-JP" dirty="0">
+                <a:solidFill>
+                  <a:srgbClr val="FF0000"/>
+                </a:solidFill>
+              </a:rPr>
+              <a:t>(UINT* status){</a:t>
+            </a:r>
+            <a:br>
+              <a:rPr kumimoji="1" lang="en-US" altLang="ja-JP" dirty="0">
+                <a:solidFill>
+                  <a:srgbClr val="FF0000"/>
+                </a:solidFill>
+              </a:rPr>
+            </a:br>
+            <a:r>
+              <a:rPr kumimoji="1" lang="en-US" altLang="ja-JP" dirty="0">
+                <a:solidFill>
+                  <a:srgbClr val="FF0000"/>
+                </a:solidFill>
+              </a:rPr>
+              <a:t>  int </a:t>
+            </a:r>
+            <a:r>
+              <a:rPr lang="en-US" altLang="ja-JP" dirty="0">
+                <a:solidFill>
+                  <a:srgbClr val="FF0000"/>
+                </a:solidFill>
+              </a:rPr>
+              <a:t>change;</a:t>
+            </a:r>
+            <a:br>
+              <a:rPr kumimoji="1" lang="en-US" altLang="ja-JP" dirty="0">
+                <a:solidFill>
+                  <a:srgbClr val="FF0000"/>
+                </a:solidFill>
+              </a:rPr>
+            </a:br>
+            <a:r>
+              <a:rPr lang="ja-JP" altLang="en-US" dirty="0">
+                <a:solidFill>
+                  <a:srgbClr val="FF0000"/>
+                </a:solidFill>
+              </a:rPr>
+              <a:t>　</a:t>
+            </a:r>
+            <a:r>
+              <a:rPr lang="en-US" altLang="ja-JP" dirty="0">
+                <a:solidFill>
+                  <a:srgbClr val="FF0000"/>
+                </a:solidFill>
+              </a:rPr>
+              <a:t> </a:t>
+            </a:r>
+            <a:r>
+              <a:rPr lang="en-US" altLang="ja-JP" dirty="0" err="1">
+                <a:solidFill>
+                  <a:srgbClr val="FF0000"/>
+                </a:solidFill>
+              </a:rPr>
+              <a:t>printf</a:t>
+            </a:r>
+            <a:r>
+              <a:rPr lang="en-US" altLang="ja-JP" dirty="0">
+                <a:solidFill>
+                  <a:srgbClr val="FF0000"/>
+                </a:solidFill>
+              </a:rPr>
+              <a:t>(“</a:t>
+            </a:r>
+            <a:r>
+              <a:rPr lang="ja-JP" altLang="en-US" dirty="0">
+                <a:solidFill>
+                  <a:srgbClr val="FF0000"/>
+                </a:solidFill>
+              </a:rPr>
+              <a:t>セットする状態を入力</a:t>
+            </a:r>
+            <a:r>
+              <a:rPr lang="en-US" altLang="ja-JP" dirty="0">
+                <a:solidFill>
+                  <a:srgbClr val="FF0000"/>
+                </a:solidFill>
+              </a:rPr>
+              <a:t>\n”);</a:t>
+            </a:r>
+            <a:r>
+              <a:rPr lang="ja-JP" altLang="en-US" dirty="0">
+                <a:solidFill>
+                  <a:srgbClr val="FF0000"/>
+                </a:solidFill>
+              </a:rPr>
+              <a:t> </a:t>
+            </a:r>
+            <a:br>
+              <a:rPr lang="en-US" altLang="ja-JP" dirty="0">
+                <a:solidFill>
+                  <a:srgbClr val="FF0000"/>
+                </a:solidFill>
+              </a:rPr>
+            </a:br>
+            <a:r>
+              <a:rPr lang="en-US" altLang="ja-JP" dirty="0">
+                <a:solidFill>
+                  <a:srgbClr val="FF0000"/>
+                </a:solidFill>
+              </a:rPr>
+              <a:t>  </a:t>
+            </a:r>
+            <a:r>
+              <a:rPr lang="en-US" altLang="ja-JP" dirty="0" err="1">
+                <a:solidFill>
+                  <a:srgbClr val="FF0000"/>
+                </a:solidFill>
+              </a:rPr>
+              <a:t>printf</a:t>
+            </a:r>
+            <a:r>
+              <a:rPr lang="en-US" altLang="ja-JP" dirty="0">
+                <a:solidFill>
+                  <a:srgbClr val="FF0000"/>
+                </a:solidFill>
+              </a:rPr>
+              <a:t>(“%d:</a:t>
+            </a:r>
+            <a:r>
+              <a:rPr lang="ja-JP" altLang="en-US" dirty="0">
+                <a:solidFill>
+                  <a:srgbClr val="FF0000"/>
+                </a:solidFill>
+              </a:rPr>
+              <a:t>毒 </a:t>
+            </a:r>
+            <a:r>
+              <a:rPr lang="en-US" altLang="ja-JP" dirty="0">
+                <a:solidFill>
+                  <a:srgbClr val="FF0000"/>
+                </a:solidFill>
+              </a:rPr>
+              <a:t>%d:</a:t>
+            </a:r>
+            <a:r>
+              <a:rPr lang="ja-JP" altLang="en-US" dirty="0">
+                <a:solidFill>
+                  <a:srgbClr val="FF0000"/>
+                </a:solidFill>
+              </a:rPr>
+              <a:t>眠り </a:t>
+            </a:r>
+            <a:r>
+              <a:rPr lang="en-US" altLang="ja-JP" dirty="0">
+                <a:solidFill>
+                  <a:srgbClr val="FF0000"/>
+                </a:solidFill>
+              </a:rPr>
+              <a:t>%d:</a:t>
+            </a:r>
+            <a:r>
+              <a:rPr lang="ja-JP" altLang="en-US" dirty="0">
+                <a:solidFill>
+                  <a:srgbClr val="FF0000"/>
+                </a:solidFill>
+              </a:rPr>
+              <a:t>麻痺 </a:t>
+            </a:r>
+            <a:r>
+              <a:rPr lang="en-US" altLang="ja-JP" dirty="0">
+                <a:solidFill>
+                  <a:srgbClr val="FF0000"/>
+                </a:solidFill>
+              </a:rPr>
+              <a:t>%d:</a:t>
+            </a:r>
+            <a:r>
+              <a:rPr lang="ja-JP" altLang="en-US" dirty="0">
+                <a:solidFill>
+                  <a:srgbClr val="FF0000"/>
+                </a:solidFill>
+              </a:rPr>
+              <a:t>火傷 </a:t>
+            </a:r>
+            <a:br>
+              <a:rPr lang="en-US" altLang="ja-JP" dirty="0">
+                <a:solidFill>
+                  <a:srgbClr val="FF0000"/>
+                </a:solidFill>
+              </a:rPr>
+            </a:br>
+            <a:r>
+              <a:rPr lang="en-US" altLang="ja-JP" dirty="0">
+                <a:solidFill>
+                  <a:srgbClr val="FF0000"/>
+                </a:solidFill>
+              </a:rPr>
+              <a:t>          %d:</a:t>
+            </a:r>
+            <a:r>
+              <a:rPr lang="ja-JP" altLang="en-US" dirty="0">
+                <a:solidFill>
+                  <a:srgbClr val="FF0000"/>
+                </a:solidFill>
+              </a:rPr>
+              <a:t>攻撃アップ </a:t>
+            </a:r>
+            <a:r>
+              <a:rPr lang="en-US" altLang="ja-JP" dirty="0">
+                <a:solidFill>
+                  <a:srgbClr val="FF0000"/>
+                </a:solidFill>
+              </a:rPr>
+              <a:t>%d</a:t>
+            </a:r>
+            <a:r>
+              <a:rPr lang="ja-JP" altLang="en-US" dirty="0">
+                <a:solidFill>
+                  <a:srgbClr val="FF0000"/>
+                </a:solidFill>
+              </a:rPr>
+              <a:t>攻撃ダウン＞</a:t>
+            </a:r>
+            <a:r>
+              <a:rPr lang="en-US" altLang="ja-JP" dirty="0">
+                <a:solidFill>
+                  <a:srgbClr val="FF0000"/>
+                </a:solidFill>
+              </a:rPr>
+              <a:t>”</a:t>
+            </a:r>
+            <a:br>
+              <a:rPr lang="en-US" altLang="ja-JP" dirty="0">
+                <a:solidFill>
+                  <a:srgbClr val="FF0000"/>
+                </a:solidFill>
+              </a:rPr>
+            </a:br>
+            <a:r>
+              <a:rPr lang="en-US" altLang="ja-JP" dirty="0">
+                <a:solidFill>
+                  <a:srgbClr val="FF0000"/>
+                </a:solidFill>
+              </a:rPr>
+              <a:t>          ,Poison, Sleep, Para, Burn</a:t>
+            </a:r>
+            <a:br>
+              <a:rPr lang="en-US" altLang="ja-JP" dirty="0">
+                <a:solidFill>
+                  <a:srgbClr val="FF0000"/>
+                </a:solidFill>
+              </a:rPr>
+            </a:br>
+            <a:r>
+              <a:rPr lang="en-US" altLang="ja-JP" dirty="0">
+                <a:solidFill>
+                  <a:srgbClr val="FF0000"/>
+                </a:solidFill>
+              </a:rPr>
+              <a:t>          ,</a:t>
+            </a:r>
+            <a:r>
+              <a:rPr lang="en-US" altLang="ja-JP" dirty="0" err="1">
+                <a:solidFill>
+                  <a:srgbClr val="FF0000"/>
+                </a:solidFill>
+              </a:rPr>
+              <a:t>AtkUp</a:t>
+            </a:r>
+            <a:r>
+              <a:rPr lang="en-US" altLang="ja-JP" dirty="0">
+                <a:solidFill>
+                  <a:srgbClr val="FF0000"/>
+                </a:solidFill>
+              </a:rPr>
+              <a:t>, </a:t>
+            </a:r>
+            <a:r>
+              <a:rPr lang="en-US" altLang="ja-JP" dirty="0" err="1">
+                <a:solidFill>
+                  <a:srgbClr val="FF0000"/>
+                </a:solidFill>
+              </a:rPr>
+              <a:t>AtkDown</a:t>
+            </a:r>
+            <a:r>
+              <a:rPr lang="en-US" altLang="ja-JP" dirty="0">
+                <a:solidFill>
+                  <a:srgbClr val="FF0000"/>
+                </a:solidFill>
+              </a:rPr>
+              <a:t>);</a:t>
+            </a:r>
+            <a:br>
+              <a:rPr lang="en-US" altLang="ja-JP" dirty="0">
+                <a:solidFill>
+                  <a:srgbClr val="FF0000"/>
+                </a:solidFill>
+              </a:rPr>
+            </a:br>
+            <a:r>
+              <a:rPr lang="en-US" altLang="ja-JP" dirty="0">
+                <a:solidFill>
+                  <a:srgbClr val="FF0000"/>
+                </a:solidFill>
+              </a:rPr>
+              <a:t>  </a:t>
+            </a:r>
+            <a:r>
+              <a:rPr lang="en-US" altLang="ja-JP" dirty="0" err="1">
+                <a:solidFill>
+                  <a:srgbClr val="FF0000"/>
+                </a:solidFill>
+              </a:rPr>
+              <a:t>scanf</a:t>
+            </a:r>
+            <a:r>
+              <a:rPr lang="en-US" altLang="ja-JP" dirty="0">
+                <a:solidFill>
+                  <a:srgbClr val="FF0000"/>
+                </a:solidFill>
+              </a:rPr>
+              <a:t>(“%d”, &amp;change);</a:t>
+            </a:r>
+            <a:br>
+              <a:rPr lang="en-US" altLang="ja-JP" dirty="0">
+                <a:solidFill>
+                  <a:srgbClr val="FF0000"/>
+                </a:solidFill>
+              </a:rPr>
+            </a:br>
+            <a:r>
+              <a:rPr lang="en-US" altLang="ja-JP" dirty="0">
+                <a:solidFill>
+                  <a:srgbClr val="FF0000"/>
+                </a:solidFill>
+              </a:rPr>
+              <a:t>  </a:t>
+            </a:r>
+            <a:br>
+              <a:rPr lang="en-US" altLang="ja-JP" dirty="0">
+                <a:solidFill>
+                  <a:srgbClr val="FF0000"/>
+                </a:solidFill>
+              </a:rPr>
+            </a:br>
+            <a:r>
+              <a:rPr lang="en-US" altLang="ja-JP" dirty="0">
+                <a:solidFill>
+                  <a:srgbClr val="FF0000"/>
+                </a:solidFill>
+              </a:rPr>
+              <a:t>  //</a:t>
+            </a:r>
+            <a:r>
+              <a:rPr lang="ja-JP" altLang="en-US" dirty="0">
+                <a:solidFill>
+                  <a:srgbClr val="FF0000"/>
+                </a:solidFill>
+              </a:rPr>
+              <a:t>入力された状態値を</a:t>
+            </a:r>
+            <a:r>
+              <a:rPr lang="en-US" altLang="ja-JP" dirty="0">
+                <a:solidFill>
+                  <a:srgbClr val="FF0000"/>
+                </a:solidFill>
+              </a:rPr>
+              <a:t>OR</a:t>
+            </a:r>
+            <a:r>
+              <a:rPr lang="ja-JP" altLang="en-US" dirty="0">
+                <a:solidFill>
+                  <a:srgbClr val="FF0000"/>
+                </a:solidFill>
+              </a:rPr>
+              <a:t>演算する</a:t>
+            </a:r>
+            <a:br>
+              <a:rPr lang="en-US" altLang="ja-JP" dirty="0">
+                <a:solidFill>
+                  <a:srgbClr val="FF0000"/>
+                </a:solidFill>
+              </a:rPr>
+            </a:br>
+            <a:r>
+              <a:rPr lang="en-US" altLang="ja-JP" dirty="0">
+                <a:solidFill>
+                  <a:srgbClr val="FF0000"/>
+                </a:solidFill>
+              </a:rPr>
+              <a:t>  *status |= change;</a:t>
+            </a:r>
+            <a:br>
+              <a:rPr lang="en-US" altLang="ja-JP" dirty="0">
+                <a:solidFill>
+                  <a:srgbClr val="FF0000"/>
+                </a:solidFill>
+              </a:rPr>
+            </a:br>
+            <a:r>
+              <a:rPr lang="en-US" altLang="ja-JP" dirty="0">
+                <a:solidFill>
+                  <a:srgbClr val="FF0000"/>
+                </a:solidFill>
+              </a:rPr>
+              <a:t>}  </a:t>
+            </a:r>
+            <a:endParaRPr kumimoji="1" lang="en-US" altLang="ja-JP" dirty="0">
+              <a:solidFill>
+                <a:srgbClr val="FF0000"/>
+              </a:solidFill>
+            </a:endParaRPr>
+          </a:p>
+        </p:txBody>
+      </p:sp>
+      <p:sp>
+        <p:nvSpPr>
+          <p:cNvPr id="4" name="テキスト ボックス 3">
+            <a:extLst>
+              <a:ext uri="{FF2B5EF4-FFF2-40B4-BE49-F238E27FC236}">
+                <a16:creationId xmlns:a16="http://schemas.microsoft.com/office/drawing/2014/main" id="{3A96C47E-C4A9-4D18-8D75-C3C673906BC8}"/>
+              </a:ext>
+            </a:extLst>
+          </p:cNvPr>
+          <p:cNvSpPr txBox="1"/>
+          <p:nvPr/>
+        </p:nvSpPr>
+        <p:spPr>
+          <a:xfrm>
+            <a:off x="6117771" y="5447306"/>
+            <a:ext cx="5097870" cy="707886"/>
+          </a:xfrm>
+          <a:prstGeom prst="rect">
+            <a:avLst/>
+          </a:prstGeom>
+          <a:noFill/>
+        </p:spPr>
+        <p:txBody>
+          <a:bodyPr wrap="none" rtlCol="0">
+            <a:spAutoFit/>
+          </a:bodyPr>
+          <a:lstStyle/>
+          <a:p>
+            <a:r>
+              <a:rPr kumimoji="1" lang="ja-JP" altLang="en-US" sz="4000" dirty="0">
+                <a:solidFill>
+                  <a:srgbClr val="00B050"/>
+                </a:solidFill>
+              </a:rPr>
+              <a:t>追加して実行してみる</a:t>
+            </a:r>
+          </a:p>
+        </p:txBody>
+      </p:sp>
+    </p:spTree>
+    <p:extLst>
+      <p:ext uri="{BB962C8B-B14F-4D97-AF65-F5344CB8AC3E}">
+        <p14:creationId xmlns:p14="http://schemas.microsoft.com/office/powerpoint/2010/main" val="3142726399"/>
+      </p:ext>
+    </p:extLst>
+  </p:cSld>
+  <p:clrMapOvr>
+    <a:masterClrMapping/>
+  </p:clrMapOvr>
+</p:sld>
+</file>
+
+<file path=ppt/slides/slide13.xml><?xml version="1.0" encoding="utf-8"?>
+<p:sld xmlns:a="http://schemas.openxmlformats.org/drawingml/2006/main" xmlns:r="http://schemas.openxmlformats.org/officeDocument/2006/relationships" xmlns:p="http://schemas.openxmlformats.org/presentationml/2006/main" show="0">
+  <p:cSld>
+    <p:spTree>
+      <p:nvGrpSpPr>
+        <p:cNvPr id="1" name=""/>
+        <p:cNvGrpSpPr/>
+        <p:nvPr/>
+      </p:nvGrpSpPr>
+      <p:grpSpPr>
+        <a:xfrm>
+          <a:off x="0" y="0"/>
+          <a:ext cx="0" cy="0"/>
+          <a:chOff x="0" y="0"/>
+          <a:chExt cx="0" cy="0"/>
+        </a:xfrm>
+      </p:grpSpPr>
+      <p:sp>
+        <p:nvSpPr>
+          <p:cNvPr id="2" name="タイトル 1">
+            <a:extLst>
+              <a:ext uri="{FF2B5EF4-FFF2-40B4-BE49-F238E27FC236}">
+                <a16:creationId xmlns:a16="http://schemas.microsoft.com/office/drawing/2014/main" id="{5B438378-E70B-D0A9-515C-B6E7AECAD9F8}"/>
+              </a:ext>
+            </a:extLst>
+          </p:cNvPr>
+          <p:cNvSpPr>
+            <a:spLocks noGrp="1"/>
+          </p:cNvSpPr>
+          <p:nvPr>
+            <p:ph type="title"/>
+          </p:nvPr>
+        </p:nvSpPr>
+        <p:spPr/>
+        <p:txBody>
+          <a:bodyPr/>
+          <a:lstStyle/>
+          <a:p>
+            <a:r>
+              <a:rPr lang="en-US" altLang="ja-JP" dirty="0" err="1"/>
+              <a:t>bit.c</a:t>
+            </a:r>
+            <a:r>
+              <a:rPr lang="ja-JP" altLang="en-US" dirty="0"/>
+              <a:t>　（④状態フラグのクリアを追加）</a:t>
+            </a:r>
+            <a:endParaRPr kumimoji="1" lang="ja-JP" altLang="en-US" dirty="0"/>
+          </a:p>
+        </p:txBody>
+      </p:sp>
+      <p:sp>
+        <p:nvSpPr>
+          <p:cNvPr id="3" name="コンテンツ プレースホルダー 2">
+            <a:extLst>
+              <a:ext uri="{FF2B5EF4-FFF2-40B4-BE49-F238E27FC236}">
+                <a16:creationId xmlns:a16="http://schemas.microsoft.com/office/drawing/2014/main" id="{4EB2B356-EDF6-25E4-62BF-DBB51B977CFA}"/>
+              </a:ext>
+            </a:extLst>
+          </p:cNvPr>
+          <p:cNvSpPr>
+            <a:spLocks noGrp="1"/>
+          </p:cNvSpPr>
+          <p:nvPr>
+            <p:ph idx="1"/>
+          </p:nvPr>
+        </p:nvSpPr>
+        <p:spPr>
+          <a:ln>
+            <a:solidFill>
+              <a:schemeClr val="tx1"/>
+            </a:solidFill>
+          </a:ln>
+        </p:spPr>
+        <p:txBody>
+          <a:bodyPr>
+            <a:normAutofit/>
+          </a:bodyPr>
+          <a:lstStyle/>
+          <a:p>
+            <a:pPr marL="0" indent="0">
+              <a:buNone/>
+            </a:pPr>
+            <a:r>
+              <a:rPr kumimoji="1" lang="en-US" altLang="ja-JP" dirty="0"/>
+              <a:t>void </a:t>
+            </a:r>
+            <a:r>
+              <a:rPr kumimoji="1" lang="en-US" altLang="ja-JP" dirty="0" err="1"/>
+              <a:t>changeStatus</a:t>
+            </a:r>
+            <a:r>
+              <a:rPr kumimoji="1" lang="en-US" altLang="ja-JP" dirty="0"/>
+              <a:t>(UINT*)</a:t>
+            </a:r>
+            <a:br>
+              <a:rPr kumimoji="1" lang="en-US" altLang="ja-JP" dirty="0"/>
+            </a:br>
+            <a:r>
+              <a:rPr kumimoji="1" lang="en-US" altLang="ja-JP" dirty="0">
+                <a:solidFill>
+                  <a:srgbClr val="FF0000"/>
+                </a:solidFill>
+              </a:rPr>
+              <a:t>void </a:t>
+            </a:r>
+            <a:r>
+              <a:rPr kumimoji="1" lang="en-US" altLang="ja-JP" dirty="0" err="1">
+                <a:solidFill>
+                  <a:srgbClr val="FF0000"/>
+                </a:solidFill>
+              </a:rPr>
+              <a:t>clearStatus</a:t>
+            </a:r>
+            <a:r>
+              <a:rPr kumimoji="1" lang="en-US" altLang="ja-JP" dirty="0">
+                <a:solidFill>
+                  <a:srgbClr val="FF0000"/>
+                </a:solidFill>
+              </a:rPr>
+              <a:t>(UINT*)</a:t>
+            </a:r>
+            <a:br>
+              <a:rPr kumimoji="1" lang="en-US" altLang="ja-JP" dirty="0"/>
+            </a:br>
+            <a:br>
+              <a:rPr kumimoji="1" lang="en-US" altLang="ja-JP" dirty="0"/>
+            </a:br>
+            <a:r>
+              <a:rPr kumimoji="1" lang="en-US" altLang="ja-JP" dirty="0"/>
+              <a:t>main(){</a:t>
+            </a:r>
+            <a:br>
+              <a:rPr kumimoji="1" lang="en-US" altLang="ja-JP" dirty="0"/>
+            </a:br>
+            <a:r>
+              <a:rPr kumimoji="1" lang="en-US" altLang="ja-JP" dirty="0"/>
+              <a:t>  //</a:t>
+            </a:r>
+            <a:r>
+              <a:rPr kumimoji="1" lang="ja-JP" altLang="en-US" dirty="0"/>
+              <a:t>符号無し整数 </a:t>
+            </a:r>
+            <a:r>
+              <a:rPr kumimoji="1" lang="en-US" altLang="ja-JP" dirty="0"/>
+              <a:t>Status </a:t>
+            </a:r>
+            <a:r>
+              <a:rPr kumimoji="1" lang="ja-JP" altLang="en-US" dirty="0"/>
+              <a:t>を宣言して </a:t>
+            </a:r>
+            <a:r>
+              <a:rPr kumimoji="1" lang="en-US" altLang="ja-JP" dirty="0"/>
+              <a:t>Base(0) </a:t>
+            </a:r>
+            <a:r>
+              <a:rPr kumimoji="1" lang="ja-JP" altLang="en-US" dirty="0"/>
+              <a:t>を代入</a:t>
+            </a:r>
+            <a:br>
+              <a:rPr kumimoji="1" lang="en-US" altLang="ja-JP" dirty="0"/>
+            </a:br>
+            <a:r>
+              <a:rPr kumimoji="1" lang="en-US" altLang="ja-JP" dirty="0"/>
+              <a:t>  UINT Status = Base;</a:t>
+            </a:r>
+            <a:br>
+              <a:rPr kumimoji="1" lang="en-US" altLang="ja-JP" dirty="0"/>
+            </a:br>
+            <a:br>
+              <a:rPr kumimoji="1" lang="en-US" altLang="ja-JP" dirty="0"/>
+            </a:br>
+            <a:r>
+              <a:rPr kumimoji="1" lang="en-US" altLang="ja-JP" dirty="0"/>
+              <a:t>  //</a:t>
+            </a:r>
+            <a:r>
+              <a:rPr kumimoji="1" lang="ja-JP" altLang="en-US" dirty="0"/>
+              <a:t>状態を変化させる</a:t>
+            </a:r>
+            <a:br>
+              <a:rPr kumimoji="1" lang="en-US" altLang="ja-JP" dirty="0"/>
+            </a:br>
+            <a:r>
+              <a:rPr kumimoji="1" lang="en-US" altLang="ja-JP" dirty="0"/>
+              <a:t>  </a:t>
+            </a:r>
+            <a:r>
+              <a:rPr kumimoji="1" lang="en-US" altLang="ja-JP" dirty="0" err="1"/>
+              <a:t>changeStatus</a:t>
+            </a:r>
+            <a:r>
+              <a:rPr kumimoji="1" lang="en-US" altLang="ja-JP" dirty="0"/>
+              <a:t>(&amp;Status);</a:t>
+            </a:r>
+            <a:br>
+              <a:rPr lang="en-US" altLang="ja-JP" dirty="0"/>
+            </a:br>
+            <a:br>
+              <a:rPr kumimoji="1" lang="en-US" altLang="ja-JP" dirty="0"/>
+            </a:br>
+            <a:r>
+              <a:rPr kumimoji="1" lang="ja-JP" altLang="en-US" dirty="0"/>
+              <a:t>　　</a:t>
+            </a:r>
+            <a:r>
+              <a:rPr kumimoji="1" lang="en-US" altLang="ja-JP" dirty="0"/>
+              <a:t>//</a:t>
+            </a:r>
+            <a:r>
+              <a:rPr lang="ja-JP" altLang="en-US" dirty="0"/>
+              <a:t>現在の状態を表示</a:t>
+            </a:r>
+            <a:br>
+              <a:rPr lang="en-US" altLang="ja-JP" dirty="0"/>
+            </a:br>
+            <a:r>
+              <a:rPr lang="en-US" altLang="ja-JP" dirty="0"/>
+              <a:t>  </a:t>
+            </a:r>
+            <a:r>
+              <a:rPr lang="en-US" altLang="ja-JP" dirty="0" err="1"/>
+              <a:t>dispStatus</a:t>
+            </a:r>
+            <a:r>
+              <a:rPr lang="en-US" altLang="ja-JP" dirty="0"/>
+              <a:t>(Status);</a:t>
+            </a:r>
+            <a:endParaRPr kumimoji="1" lang="en-US" altLang="ja-JP" dirty="0"/>
+          </a:p>
+        </p:txBody>
+      </p:sp>
+    </p:spTree>
+    <p:extLst>
+      <p:ext uri="{BB962C8B-B14F-4D97-AF65-F5344CB8AC3E}">
+        <p14:creationId xmlns:p14="http://schemas.microsoft.com/office/powerpoint/2010/main" val="3547726515"/>
+      </p:ext>
+    </p:extLst>
+  </p:cSld>
+  <p:clrMapOvr>
+    <a:masterClrMapping/>
+  </p:clrMapOvr>
+</p:sld>
+</file>
+
+<file path=ppt/slides/slide14.xml><?xml version="1.0" encoding="utf-8"?>
+<p:sld xmlns:a="http://schemas.openxmlformats.org/drawingml/2006/main" xmlns:r="http://schemas.openxmlformats.org/officeDocument/2006/relationships" xmlns:p="http://schemas.openxmlformats.org/presentationml/2006/main" show="0">
+  <p:cSld>
+    <p:spTree>
+      <p:nvGrpSpPr>
+        <p:cNvPr id="1" name=""/>
+        <p:cNvGrpSpPr/>
+        <p:nvPr/>
+      </p:nvGrpSpPr>
+      <p:grpSpPr>
+        <a:xfrm>
+          <a:off x="0" y="0"/>
+          <a:ext cx="0" cy="0"/>
+          <a:chOff x="0" y="0"/>
+          <a:chExt cx="0" cy="0"/>
+        </a:xfrm>
+      </p:grpSpPr>
+      <p:sp>
+        <p:nvSpPr>
+          <p:cNvPr id="2" name="タイトル 1">
+            <a:extLst>
+              <a:ext uri="{FF2B5EF4-FFF2-40B4-BE49-F238E27FC236}">
+                <a16:creationId xmlns:a16="http://schemas.microsoft.com/office/drawing/2014/main" id="{5B438378-E70B-D0A9-515C-B6E7AECAD9F8}"/>
+              </a:ext>
+            </a:extLst>
+          </p:cNvPr>
+          <p:cNvSpPr>
+            <a:spLocks noGrp="1"/>
+          </p:cNvSpPr>
+          <p:nvPr>
+            <p:ph type="title"/>
+          </p:nvPr>
+        </p:nvSpPr>
+        <p:spPr/>
+        <p:txBody>
+          <a:bodyPr/>
+          <a:lstStyle/>
+          <a:p>
+            <a:r>
+              <a:rPr lang="en-US" altLang="ja-JP" dirty="0" err="1"/>
+              <a:t>bit.c</a:t>
+            </a:r>
+            <a:r>
+              <a:rPr lang="ja-JP" altLang="en-US" dirty="0"/>
               <a:t>　（④状態フラグのクリアを追加）</a:t>
             </a:r>
             <a:endParaRPr kumimoji="1" lang="ja-JP" altLang="en-US" dirty="0"/>
@@ -4859,8 +6002,8 @@
 </p:sld>
 </file>
 
-<file path=ppt/slides/slide12.xml><?xml version="1.0" encoding="utf-8"?>
-<p:sld xmlns:a="http://schemas.openxmlformats.org/drawingml/2006/main" xmlns:r="http://schemas.openxmlformats.org/officeDocument/2006/relationships" xmlns:p="http://schemas.openxmlformats.org/presentationml/2006/main">
+<file path=ppt/slides/slide15.xml><?xml version="1.0" encoding="utf-8"?>
+<p:sld xmlns:a="http://schemas.openxmlformats.org/drawingml/2006/main" xmlns:r="http://schemas.openxmlformats.org/officeDocument/2006/relationships" xmlns:p="http://schemas.openxmlformats.org/presentationml/2006/main" show="0">
   <p:cSld>
     <p:spTree>
       <p:nvGrpSpPr>
@@ -5493,7 +6636,7 @@
         </p:spPr>
         <p:txBody>
           <a:bodyPr>
-            <a:normAutofit/>
+            <a:normAutofit fontScale="92500" lnSpcReduction="10000"/>
           </a:bodyPr>
           <a:lstStyle/>
           <a:p>
@@ -5501,151 +6644,292 @@
               <a:buNone/>
             </a:pPr>
             <a:r>
-              <a:rPr kumimoji="1" lang="en-US" altLang="ja-JP" dirty="0"/>
-              <a:t>#include&lt;</a:t>
-            </a:r>
-            <a:r>
-              <a:rPr kumimoji="1" lang="en-US" altLang="ja-JP" dirty="0" err="1"/>
-              <a:t>stdio.h</a:t>
-            </a:r>
-            <a:r>
-              <a:rPr kumimoji="1" lang="en-US" altLang="ja-JP" dirty="0"/>
-              <a:t>&gt;</a:t>
-            </a:r>
-            <a:br>
-              <a:rPr kumimoji="1" lang="en-US" altLang="ja-JP" dirty="0"/>
-            </a:br>
-            <a:br>
-              <a:rPr kumimoji="1" lang="en-US" altLang="ja-JP" dirty="0"/>
-            </a:br>
-            <a:r>
-              <a:rPr kumimoji="1" lang="en-US" altLang="ja-JP" dirty="0"/>
-              <a:t>//</a:t>
-            </a:r>
-            <a:r>
               <a:rPr kumimoji="1" lang="ja-JP" altLang="en-US" dirty="0"/>
-              <a:t>各ビットで状態フラグを管理する</a:t>
-            </a:r>
-            <a:br>
-              <a:rPr lang="en-US" altLang="ja-JP" dirty="0"/>
-            </a:br>
-            <a:r>
-              <a:rPr lang="en-US" altLang="ja-JP" dirty="0" err="1"/>
-              <a:t>enum</a:t>
-            </a:r>
-            <a:r>
-              <a:rPr lang="en-US" altLang="ja-JP" dirty="0"/>
-              <a:t> </a:t>
-            </a:r>
-            <a:r>
-              <a:rPr lang="en-US" altLang="ja-JP" dirty="0" err="1"/>
-              <a:t>BitState</a:t>
-            </a:r>
-            <a:r>
-              <a:rPr lang="en-US" altLang="ja-JP" dirty="0"/>
-              <a:t> {</a:t>
-            </a:r>
-            <a:br>
-              <a:rPr lang="en-US" altLang="ja-JP" dirty="0"/>
-            </a:br>
-            <a:r>
-              <a:rPr lang="en-US" altLang="ja-JP" dirty="0"/>
-              <a:t>  Base = 0,          //00000000</a:t>
+              <a:t>プレイヤーの状態：　毒</a:t>
+            </a:r>
+            <a:br>
+              <a:rPr kumimoji="1" lang="en-US" altLang="ja-JP" dirty="0"/>
+            </a:br>
+            <a:br>
+              <a:rPr kumimoji="1" lang="en-US" altLang="ja-JP" dirty="0"/>
+            </a:br>
+            <a:r>
+              <a:rPr kumimoji="1" lang="en-US" altLang="ja-JP" dirty="0"/>
+              <a:t>1:</a:t>
+            </a:r>
+            <a:r>
+              <a:rPr kumimoji="1" lang="ja-JP" altLang="en-US" dirty="0"/>
+              <a:t>状態セット</a:t>
             </a:r>
             <a:r>
               <a:rPr lang="ja-JP" altLang="en-US" dirty="0"/>
-              <a:t>（初期状態）</a:t>
-            </a:r>
-            <a:br>
-              <a:rPr lang="en-US" altLang="ja-JP" dirty="0"/>
-            </a:br>
-            <a:r>
-              <a:rPr lang="en-US" altLang="ja-JP" dirty="0"/>
-              <a:t>  Poison = 1 &lt;&lt; 0,   //00000001</a:t>
+              <a:t>　</a:t>
+            </a:r>
+            <a:r>
+              <a:rPr kumimoji="1" lang="en-US" altLang="ja-JP" dirty="0"/>
+              <a:t>2:</a:t>
+            </a:r>
+            <a:r>
+              <a:rPr kumimoji="1" lang="ja-JP" altLang="en-US" dirty="0"/>
+              <a:t>状態解除＞ </a:t>
+            </a:r>
+            <a:r>
+              <a:rPr kumimoji="1" lang="en-US" altLang="ja-JP" dirty="0">
+                <a:solidFill>
+                  <a:srgbClr val="FF0000"/>
+                </a:solidFill>
+              </a:rPr>
+              <a:t>1</a:t>
+            </a:r>
+            <a:br>
+              <a:rPr kumimoji="1" lang="en-US" altLang="ja-JP" dirty="0">
+                <a:solidFill>
+                  <a:srgbClr val="00B0F0"/>
+                </a:solidFill>
+              </a:rPr>
+            </a:br>
+            <a:br>
+              <a:rPr kumimoji="1" lang="en-US" altLang="ja-JP" dirty="0"/>
+            </a:br>
+            <a:r>
+              <a:rPr kumimoji="1" lang="ja-JP" altLang="en-US" dirty="0"/>
+              <a:t>セットする状態を選択</a:t>
+            </a:r>
+            <a:br>
+              <a:rPr kumimoji="1" lang="en-US" altLang="ja-JP" dirty="0"/>
+            </a:br>
+            <a:r>
+              <a:rPr kumimoji="1" lang="en-US" altLang="ja-JP" dirty="0"/>
+              <a:t>1:</a:t>
+            </a:r>
+            <a:r>
+              <a:rPr kumimoji="1" lang="ja-JP" altLang="en-US" dirty="0"/>
+              <a:t>毒 </a:t>
+            </a:r>
+            <a:r>
+              <a:rPr kumimoji="1" lang="en-US" altLang="ja-JP" dirty="0"/>
+              <a:t>2:</a:t>
+            </a:r>
+            <a:r>
+              <a:rPr kumimoji="1" lang="ja-JP" altLang="en-US" dirty="0"/>
+              <a:t>眠り </a:t>
+            </a:r>
+            <a:r>
+              <a:rPr kumimoji="1" lang="en-US" altLang="ja-JP" dirty="0"/>
+              <a:t>4:</a:t>
+            </a:r>
+            <a:r>
+              <a:rPr kumimoji="1" lang="ja-JP" altLang="en-US" dirty="0"/>
+              <a:t>麻痺 </a:t>
+            </a:r>
+            <a:r>
+              <a:rPr kumimoji="1" lang="en-US" altLang="ja-JP" dirty="0"/>
+              <a:t>8:</a:t>
+            </a:r>
+            <a:r>
+              <a:rPr kumimoji="1" lang="ja-JP" altLang="en-US" dirty="0"/>
+              <a:t>火傷 </a:t>
+            </a:r>
+            <a:r>
+              <a:rPr kumimoji="1" lang="en-US" altLang="ja-JP" dirty="0"/>
+              <a:t>16:</a:t>
+            </a:r>
+            <a:r>
+              <a:rPr kumimoji="1" lang="ja-JP" altLang="en-US" dirty="0"/>
+              <a:t>攻撃↑ </a:t>
+            </a:r>
+            <a:r>
+              <a:rPr kumimoji="1" lang="en-US" altLang="ja-JP" dirty="0"/>
+              <a:t>32:</a:t>
+            </a:r>
+            <a:r>
+              <a:rPr kumimoji="1" lang="ja-JP" altLang="en-US" dirty="0"/>
+              <a:t>攻撃↓</a:t>
             </a:r>
             <a:r>
               <a:rPr lang="ja-JP" altLang="en-US" dirty="0"/>
-              <a:t>（毒）</a:t>
-            </a:r>
-            <a:br>
-              <a:rPr lang="en-US" altLang="ja-JP" dirty="0"/>
-            </a:br>
-            <a:r>
-              <a:rPr lang="en-US" altLang="ja-JP" dirty="0"/>
-              <a:t>  Sleep = 1 &lt;&lt; 1,    //00000010</a:t>
-            </a:r>
+              <a:t>＞ </a:t>
+            </a:r>
+            <a:r>
+              <a:rPr lang="en-US" altLang="ja-JP" dirty="0">
+                <a:solidFill>
+                  <a:srgbClr val="FF0000"/>
+                </a:solidFill>
+              </a:rPr>
+              <a:t>8</a:t>
+            </a:r>
+            <a:br>
+              <a:rPr lang="en-US" altLang="ja-JP" dirty="0"/>
+            </a:br>
+            <a:br>
+              <a:rPr lang="en-US" altLang="ja-JP" dirty="0"/>
+            </a:br>
             <a:r>
               <a:rPr lang="ja-JP" altLang="en-US" dirty="0"/>
-              <a:t>（眠り）</a:t>
-            </a:r>
-            <a:br>
-              <a:rPr lang="en-US" altLang="ja-JP" dirty="0"/>
-            </a:br>
-            <a:r>
-              <a:rPr lang="en-US" altLang="ja-JP" dirty="0"/>
-              <a:t>  Para = 1 &lt;&lt; 2,     //00000100</a:t>
+              <a:t>プレイヤーの状態：　毒　火傷</a:t>
+            </a:r>
+            <a:endParaRPr lang="en-US" altLang="ja-JP" dirty="0"/>
+          </a:p>
+          <a:p>
+            <a:pPr marL="0" indent="0">
+              <a:buNone/>
+            </a:pPr>
+            <a:r>
+              <a:rPr lang="en-US" altLang="ja-JP" dirty="0"/>
+              <a:t>1:</a:t>
             </a:r>
             <a:r>
               <a:rPr lang="ja-JP" altLang="en-US" dirty="0"/>
-              <a:t>（麻痺）</a:t>
-            </a:r>
-            <a:br>
-              <a:rPr lang="en-US" altLang="ja-JP" dirty="0"/>
-            </a:br>
-            <a:r>
-              <a:rPr lang="en-US" altLang="ja-JP" dirty="0"/>
-              <a:t>  Burn = 1 &lt;&lt; 3,     //00001000</a:t>
+              <a:t>状態セット　</a:t>
+            </a:r>
+            <a:r>
+              <a:rPr lang="en-US" altLang="ja-JP" dirty="0"/>
+              <a:t>2:</a:t>
             </a:r>
             <a:r>
               <a:rPr lang="ja-JP" altLang="en-US" dirty="0"/>
-              <a:t>（火傷）</a:t>
-            </a:r>
-            <a:br>
-              <a:rPr lang="en-US" altLang="ja-JP" dirty="0"/>
-            </a:br>
-            <a:r>
-              <a:rPr lang="en-US" altLang="ja-JP" dirty="0"/>
-              <a:t>  </a:t>
-            </a:r>
-            <a:r>
-              <a:rPr lang="en-US" altLang="ja-JP" dirty="0" err="1"/>
-              <a:t>AtkUp</a:t>
-            </a:r>
-            <a:r>
-              <a:rPr lang="en-US" altLang="ja-JP" dirty="0"/>
-              <a:t> = 1 &lt;&lt; 4,    //00010000</a:t>
-            </a:r>
+              <a:t>状態解除＞ </a:t>
+            </a:r>
+            <a:r>
+              <a:rPr lang="en-US" altLang="ja-JP" dirty="0">
+                <a:solidFill>
+                  <a:srgbClr val="FF0000"/>
+                </a:solidFill>
+              </a:rPr>
+              <a:t>2</a:t>
+            </a:r>
+          </a:p>
+          <a:p>
+            <a:pPr marL="0" indent="0">
+              <a:buNone/>
+            </a:pPr>
+            <a:br>
+              <a:rPr lang="en-US" altLang="ja-JP" dirty="0"/>
+            </a:br>
             <a:r>
               <a:rPr lang="ja-JP" altLang="en-US" dirty="0"/>
-              <a:t>（攻撃力アップ）</a:t>
-            </a:r>
-            <a:br>
-              <a:rPr lang="en-US" altLang="ja-JP" dirty="0"/>
-            </a:br>
-            <a:r>
-              <a:rPr lang="en-US" altLang="ja-JP" dirty="0"/>
-              <a:t>  </a:t>
-            </a:r>
-            <a:r>
-              <a:rPr lang="en-US" altLang="ja-JP" dirty="0" err="1"/>
-              <a:t>AtkDown</a:t>
-            </a:r>
-            <a:r>
-              <a:rPr lang="en-US" altLang="ja-JP" dirty="0"/>
-              <a:t> = 1 &lt;&lt; 5   //00100000</a:t>
+              <a:t>解除する状態を選択</a:t>
+            </a:r>
+            <a:br>
+              <a:rPr lang="en-US" altLang="ja-JP" dirty="0"/>
+            </a:br>
+            <a:r>
+              <a:rPr lang="en-US" altLang="ja-JP" dirty="0"/>
+              <a:t>1:</a:t>
             </a:r>
             <a:r>
               <a:rPr lang="ja-JP" altLang="en-US" dirty="0"/>
-              <a:t>（攻撃力ダウン）</a:t>
-            </a:r>
-            <a:br>
-              <a:rPr lang="en-US" altLang="ja-JP" dirty="0"/>
-            </a:br>
-            <a:r>
-              <a:rPr lang="en-US" altLang="ja-JP" dirty="0"/>
-              <a:t>};</a:t>
-            </a:r>
+              <a:t>毒 </a:t>
+            </a:r>
+            <a:r>
+              <a:rPr lang="en-US" altLang="ja-JP" dirty="0"/>
+              <a:t>2:</a:t>
+            </a:r>
+            <a:r>
+              <a:rPr lang="ja-JP" altLang="en-US" dirty="0"/>
+              <a:t>眠り </a:t>
+            </a:r>
+            <a:r>
+              <a:rPr lang="en-US" altLang="ja-JP" dirty="0"/>
+              <a:t>4:</a:t>
+            </a:r>
+            <a:r>
+              <a:rPr lang="ja-JP" altLang="en-US" dirty="0"/>
+              <a:t>麻痺 </a:t>
+            </a:r>
+            <a:r>
+              <a:rPr lang="en-US" altLang="ja-JP" dirty="0"/>
+              <a:t>8:</a:t>
+            </a:r>
+            <a:r>
+              <a:rPr lang="ja-JP" altLang="en-US" dirty="0"/>
+              <a:t>火傷 </a:t>
+            </a:r>
+            <a:r>
+              <a:rPr lang="en-US" altLang="ja-JP" dirty="0"/>
+              <a:t>16:</a:t>
+            </a:r>
+            <a:r>
+              <a:rPr lang="ja-JP" altLang="en-US" dirty="0"/>
+              <a:t>攻撃↑ </a:t>
+            </a:r>
+            <a:r>
+              <a:rPr lang="en-US" altLang="ja-JP" dirty="0"/>
+              <a:t>32:</a:t>
+            </a:r>
+            <a:r>
+              <a:rPr lang="ja-JP" altLang="en-US" dirty="0"/>
+              <a:t>攻撃↓＞ </a:t>
+            </a:r>
+            <a:r>
+              <a:rPr lang="en-US" altLang="ja-JP" dirty="0">
+                <a:solidFill>
+                  <a:srgbClr val="FF0000"/>
+                </a:solidFill>
+              </a:rPr>
+              <a:t>1</a:t>
+            </a:r>
+            <a:br>
+              <a:rPr lang="en-US" altLang="ja-JP" dirty="0"/>
+            </a:br>
+            <a:br>
+              <a:rPr lang="en-US" altLang="ja-JP" dirty="0"/>
+            </a:br>
+            <a:r>
+              <a:rPr lang="ja-JP" altLang="en-US" dirty="0"/>
+              <a:t>プレイヤーの状態：　火傷</a:t>
+            </a:r>
+            <a:endParaRPr lang="en-US" altLang="ja-JP" dirty="0"/>
+          </a:p>
+          <a:p>
+            <a:pPr marL="0" indent="0">
+              <a:buNone/>
+            </a:pPr>
             <a:endParaRPr kumimoji="1" lang="en-US" altLang="ja-JP" dirty="0"/>
+          </a:p>
+        </p:txBody>
+      </p:sp>
+      <p:sp>
+        <p:nvSpPr>
+          <p:cNvPr id="4" name="テキスト ボックス 3">
+            <a:extLst>
+              <a:ext uri="{FF2B5EF4-FFF2-40B4-BE49-F238E27FC236}">
+                <a16:creationId xmlns:a16="http://schemas.microsoft.com/office/drawing/2014/main" id="{CF0CA131-892A-4D41-9FC0-58E24BFB3F8A}"/>
+              </a:ext>
+            </a:extLst>
+          </p:cNvPr>
+          <p:cNvSpPr txBox="1"/>
+          <p:nvPr/>
+        </p:nvSpPr>
+        <p:spPr>
+          <a:xfrm>
+            <a:off x="10134600" y="713694"/>
+            <a:ext cx="1415772" cy="584775"/>
+          </a:xfrm>
+          <a:prstGeom prst="rect">
+            <a:avLst/>
+          </a:prstGeom>
+          <a:noFill/>
+        </p:spPr>
+        <p:txBody>
+          <a:bodyPr wrap="none" rtlCol="0">
+            <a:spAutoFit/>
+          </a:bodyPr>
+          <a:lstStyle/>
+          <a:p>
+            <a:r>
+              <a:rPr lang="ja-JP" altLang="en-US" sz="3200" dirty="0">
+                <a:solidFill>
+                  <a:srgbClr val="FF0000"/>
+                </a:solidFill>
+              </a:rPr>
+              <a:t>実行例</a:t>
+            </a:r>
+            <a:endParaRPr kumimoji="1" lang="ja-JP" altLang="en-US" sz="3200" dirty="0">
+              <a:solidFill>
+                <a:srgbClr val="FF0000"/>
+              </a:solidFill>
+            </a:endParaRPr>
           </a:p>
         </p:txBody>
       </p:sp>
@@ -5705,7 +6989,7 @@
               <a:t>演習　</a:t>
             </a:r>
             <a:r>
-              <a:rPr lang="en-US" altLang="ja-JP" dirty="0"/>
+              <a:rPr kumimoji="1" lang="en-US" altLang="ja-JP" dirty="0"/>
               <a:t>bit02.c</a:t>
             </a:r>
             <a:endParaRPr kumimoji="1" lang="ja-JP" altLang="en-US" dirty="0"/>
@@ -5728,159 +7012,81 @@
             <p:ph idx="1"/>
           </p:nvPr>
         </p:nvSpPr>
-        <p:spPr>
-          <a:ln>
-            <a:solidFill>
-              <a:schemeClr val="tx1"/>
-            </a:solidFill>
-          </a:ln>
-        </p:spPr>
+        <p:spPr/>
         <p:txBody>
           <a:bodyPr>
             <a:normAutofit/>
           </a:bodyPr>
           <a:lstStyle/>
           <a:p>
-            <a:pPr marL="0" indent="0">
-              <a:buNone/>
-            </a:pPr>
-            <a:r>
-              <a:rPr lang="en-US" altLang="ja-JP" dirty="0"/>
-              <a:t>//</a:t>
-            </a:r>
-            <a:r>
-              <a:rPr lang="ja-JP" altLang="en-US" dirty="0"/>
-              <a:t>符号無し整数を </a:t>
-            </a:r>
-            <a:r>
-              <a:rPr lang="en-US" altLang="ja-JP" dirty="0"/>
-              <a:t>UINT </a:t>
-            </a:r>
-            <a:r>
-              <a:rPr lang="ja-JP" altLang="en-US" dirty="0"/>
-              <a:t>という別名で定義</a:t>
-            </a:r>
-            <a:br>
-              <a:rPr lang="en-US" altLang="ja-JP" dirty="0"/>
-            </a:br>
-            <a:r>
-              <a:rPr kumimoji="1" lang="en-US" altLang="ja-JP" dirty="0"/>
-              <a:t>typedef unsigned int UINT; </a:t>
-            </a:r>
-            <a:br>
-              <a:rPr kumimoji="1" lang="en-US" altLang="ja-JP" dirty="0"/>
-            </a:br>
-            <a:br>
-              <a:rPr kumimoji="1" lang="en-US" altLang="ja-JP" dirty="0"/>
-            </a:br>
-            <a:r>
-              <a:rPr kumimoji="1" lang="en-US" altLang="ja-JP" dirty="0"/>
-              <a:t>void </a:t>
-            </a:r>
-            <a:r>
-              <a:rPr lang="en-US" altLang="ja-JP" dirty="0" err="1"/>
-              <a:t>d</a:t>
-            </a:r>
-            <a:r>
-              <a:rPr kumimoji="1" lang="en-US" altLang="ja-JP" dirty="0" err="1"/>
-              <a:t>ispStatus</a:t>
-            </a:r>
-            <a:r>
-              <a:rPr kumimoji="1" lang="en-US" altLang="ja-JP" dirty="0"/>
-              <a:t>(UINT);</a:t>
-            </a:r>
-            <a:br>
-              <a:rPr kumimoji="1" lang="en-US" altLang="ja-JP" dirty="0"/>
-            </a:br>
-            <a:br>
-              <a:rPr kumimoji="1" lang="en-US" altLang="ja-JP" dirty="0"/>
-            </a:br>
-            <a:r>
-              <a:rPr kumimoji="1" lang="en-US" altLang="ja-JP" dirty="0"/>
-              <a:t>main(){</a:t>
-            </a:r>
-            <a:br>
-              <a:rPr kumimoji="1" lang="en-US" altLang="ja-JP" dirty="0"/>
-            </a:br>
-            <a:r>
-              <a:rPr kumimoji="1" lang="en-US" altLang="ja-JP" dirty="0"/>
-              <a:t>  //</a:t>
-            </a:r>
-            <a:r>
-              <a:rPr kumimoji="1" lang="ja-JP" altLang="en-US" dirty="0"/>
-              <a:t>符号無し整数 </a:t>
-            </a:r>
-            <a:r>
-              <a:rPr kumimoji="1" lang="en-US" altLang="ja-JP" dirty="0"/>
-              <a:t>Status </a:t>
-            </a:r>
-            <a:r>
-              <a:rPr kumimoji="1" lang="ja-JP" altLang="en-US" dirty="0"/>
-              <a:t>を宣言して </a:t>
-            </a:r>
-            <a:r>
-              <a:rPr kumimoji="1" lang="en-US" altLang="ja-JP" dirty="0"/>
-              <a:t>Base(0) </a:t>
-            </a:r>
-            <a:r>
-              <a:rPr kumimoji="1" lang="ja-JP" altLang="en-US" dirty="0"/>
-              <a:t>を代入</a:t>
-            </a:r>
-            <a:br>
-              <a:rPr kumimoji="1" lang="en-US" altLang="ja-JP" dirty="0"/>
-            </a:br>
-            <a:r>
-              <a:rPr kumimoji="1" lang="en-US" altLang="ja-JP" dirty="0"/>
-              <a:t>  UINT Status = Base;</a:t>
-            </a:r>
-            <a:br>
-              <a:rPr kumimoji="1" lang="en-US" altLang="ja-JP" dirty="0"/>
-            </a:br>
-            <a:br>
-              <a:rPr kumimoji="1" lang="en-US" altLang="ja-JP" dirty="0"/>
-            </a:br>
-            <a:r>
-              <a:rPr kumimoji="1" lang="ja-JP" altLang="en-US" dirty="0"/>
-              <a:t>　　</a:t>
-            </a:r>
-            <a:r>
-              <a:rPr kumimoji="1" lang="en-US" altLang="ja-JP" dirty="0"/>
-              <a:t>//</a:t>
-            </a:r>
-            <a:r>
-              <a:rPr lang="ja-JP" altLang="en-US" dirty="0"/>
-              <a:t>現在の状態を表示</a:t>
-            </a:r>
-            <a:br>
-              <a:rPr lang="en-US" altLang="ja-JP" dirty="0"/>
-            </a:br>
-            <a:r>
-              <a:rPr lang="en-US" altLang="ja-JP" dirty="0"/>
-              <a:t>  </a:t>
-            </a:r>
-            <a:r>
-              <a:rPr lang="en-US" altLang="ja-JP" dirty="0" err="1"/>
-              <a:t>dispStatus</a:t>
-            </a:r>
-            <a:r>
-              <a:rPr lang="en-US" altLang="ja-JP" dirty="0"/>
-              <a:t>(Status);</a:t>
-            </a:r>
-            <a:br>
-              <a:rPr lang="en-US" altLang="ja-JP" dirty="0"/>
-            </a:br>
-            <a:r>
-              <a:rPr lang="en-US" altLang="ja-JP" dirty="0"/>
-              <a:t>}</a:t>
-            </a:r>
-            <a:endParaRPr kumimoji="1" lang="en-US" altLang="ja-JP" dirty="0"/>
+            <a:r>
+              <a:rPr lang="ja-JP" altLang="en-US" sz="3200" dirty="0"/>
+              <a:t>実行例のように、無限ループとして以下のようにする</a:t>
+            </a:r>
+            <a:br>
+              <a:rPr lang="en-US" altLang="ja-JP" sz="3200" dirty="0"/>
+            </a:br>
+            <a:br>
+              <a:rPr lang="en-US" altLang="ja-JP" sz="3200" dirty="0"/>
+            </a:br>
+            <a:r>
+              <a:rPr lang="ja-JP" altLang="en-US" sz="3200" dirty="0"/>
+              <a:t>① キャラの状態を表示</a:t>
+            </a:r>
+            <a:br>
+              <a:rPr lang="en-US" altLang="ja-JP" sz="3200" dirty="0"/>
+            </a:br>
+            <a:br>
+              <a:rPr lang="en-US" altLang="ja-JP" sz="3200" dirty="0"/>
+            </a:br>
+            <a:r>
+              <a:rPr lang="ja-JP" altLang="en-US" sz="3200" dirty="0"/>
+              <a:t>② 状態の</a:t>
+            </a:r>
+            <a:r>
+              <a:rPr lang="ja-JP" altLang="en-US" sz="3200" b="1" dirty="0"/>
+              <a:t>設定</a:t>
+            </a:r>
+            <a:r>
+              <a:rPr lang="ja-JP" altLang="en-US" sz="3200" dirty="0"/>
+              <a:t>か</a:t>
+            </a:r>
+            <a:r>
+              <a:rPr lang="ja-JP" altLang="en-US" sz="3200" b="1" dirty="0"/>
+              <a:t>解除</a:t>
+            </a:r>
+            <a:r>
+              <a:rPr lang="ja-JP" altLang="en-US" sz="3200" dirty="0"/>
+              <a:t>の選択</a:t>
+            </a:r>
+            <a:br>
+              <a:rPr lang="en-US" altLang="ja-JP" sz="3200" dirty="0"/>
+            </a:br>
+            <a:br>
+              <a:rPr lang="en-US" altLang="ja-JP" sz="3200" dirty="0"/>
+            </a:br>
+            <a:r>
+              <a:rPr lang="ja-JP" altLang="en-US" sz="3200" dirty="0"/>
+              <a:t>③ 状態設定ならビットを立て、解除ならビットを落とす</a:t>
+            </a:r>
+            <a:br>
+              <a:rPr lang="en-US" altLang="ja-JP" sz="3200" dirty="0"/>
+            </a:br>
+            <a:br>
+              <a:rPr lang="en-US" altLang="ja-JP" sz="3200" dirty="0"/>
+            </a:br>
+            <a:r>
+              <a:rPr lang="ja-JP" altLang="en-US" sz="3200" dirty="0"/>
+              <a:t>④　①へもどる</a:t>
+            </a:r>
+            <a:endParaRPr kumimoji="1" lang="en-US" altLang="ja-JP" sz="3200" dirty="0"/>
           </a:p>
         </p:txBody>
       </p:sp>
     </p:spTree>
     <p:extLst>
       <p:ext uri="{BB962C8B-B14F-4D97-AF65-F5344CB8AC3E}">
-        <p14:creationId xmlns:p14="http://schemas.microsoft.com/office/powerpoint/2010/main" val="3751235989"/>
+        <p14:creationId xmlns:p14="http://schemas.microsoft.com/office/powerpoint/2010/main" val="2570930965"/>
       </p:ext>
     </p:extLst>
   </p:cSld>
@@ -5933,7 +7139,7 @@
               <a:t>演習　</a:t>
             </a:r>
             <a:r>
-              <a:rPr lang="en-US" altLang="ja-JP" dirty="0"/>
+              <a:rPr kumimoji="1" lang="en-US" altLang="ja-JP" dirty="0"/>
               <a:t>bit02.c</a:t>
             </a:r>
             <a:endParaRPr kumimoji="1" lang="ja-JP" altLang="en-US" dirty="0"/>
@@ -5956,197 +7162,86 @@
             <p:ph idx="1"/>
           </p:nvPr>
         </p:nvSpPr>
-        <p:spPr>
-          <a:ln>
-            <a:solidFill>
-              <a:schemeClr val="tx1"/>
-            </a:solidFill>
-          </a:ln>
-        </p:spPr>
+        <p:spPr/>
         <p:txBody>
           <a:bodyPr>
-            <a:normAutofit lnSpcReduction="10000"/>
+            <a:normAutofit/>
           </a:bodyPr>
           <a:lstStyle/>
           <a:p>
-            <a:pPr marL="0" indent="0">
-              <a:buNone/>
-            </a:pPr>
-            <a:r>
-              <a:rPr lang="en-US" altLang="ja-JP" dirty="0" err="1"/>
-              <a:t>dispStatus</a:t>
-            </a:r>
-            <a:r>
-              <a:rPr kumimoji="1" lang="en-US" altLang="ja-JP" dirty="0"/>
-              <a:t>(){</a:t>
-            </a:r>
-            <a:br>
-              <a:rPr kumimoji="1" lang="en-US" altLang="ja-JP" dirty="0"/>
-            </a:br>
-            <a:r>
-              <a:rPr kumimoji="1" lang="en-US" altLang="ja-JP" dirty="0"/>
-              <a:t>  </a:t>
-            </a:r>
-            <a:r>
-              <a:rPr lang="en-US" altLang="ja-JP" dirty="0" err="1"/>
-              <a:t>printf</a:t>
-            </a:r>
-            <a:r>
-              <a:rPr lang="en-US" altLang="ja-JP" dirty="0"/>
-              <a:t>(“****</a:t>
-            </a:r>
-            <a:r>
-              <a:rPr lang="ja-JP" altLang="en-US" dirty="0"/>
-              <a:t>現在の状態****</a:t>
-            </a:r>
-            <a:r>
-              <a:rPr lang="en-US" altLang="ja-JP" dirty="0"/>
-              <a:t>\n”);</a:t>
-            </a:r>
-            <a:br>
-              <a:rPr lang="en-US" altLang="ja-JP" dirty="0"/>
-            </a:br>
-            <a:r>
-              <a:rPr lang="en-US" altLang="ja-JP" dirty="0"/>
-              <a:t>  //</a:t>
-            </a:r>
-            <a:r>
-              <a:rPr lang="ja-JP" altLang="en-US" dirty="0"/>
-              <a:t>各状態をビットの</a:t>
-            </a:r>
-            <a:r>
-              <a:rPr lang="en-US" altLang="ja-JP" dirty="0"/>
-              <a:t>AND</a:t>
-            </a:r>
-            <a:r>
-              <a:rPr lang="ja-JP" altLang="en-US" dirty="0"/>
-              <a:t>演算でチェック</a:t>
-            </a:r>
-            <a:br>
-              <a:rPr lang="en-US" altLang="ja-JP" dirty="0"/>
-            </a:br>
-            <a:r>
-              <a:rPr lang="en-US" altLang="ja-JP" dirty="0"/>
-              <a:t>  if (s &amp; Poison) {</a:t>
-            </a:r>
-            <a:br>
-              <a:rPr lang="en-US" altLang="ja-JP" dirty="0"/>
-            </a:br>
-            <a:r>
-              <a:rPr lang="en-US" altLang="ja-JP" dirty="0"/>
-              <a:t>    </a:t>
-            </a:r>
-            <a:r>
-              <a:rPr lang="en-US" altLang="ja-JP" dirty="0" err="1"/>
-              <a:t>printf</a:t>
-            </a:r>
-            <a:r>
-              <a:rPr lang="en-US" altLang="ja-JP" dirty="0"/>
-              <a:t>(“</a:t>
-            </a:r>
-            <a:r>
-              <a:rPr lang="ja-JP" altLang="en-US" dirty="0"/>
-              <a:t>毒 </a:t>
-            </a:r>
-            <a:r>
-              <a:rPr lang="en-US" altLang="ja-JP" dirty="0"/>
-              <a:t>”);</a:t>
-            </a:r>
-            <a:br>
-              <a:rPr lang="en-US" altLang="ja-JP" dirty="0"/>
-            </a:br>
-            <a:r>
-              <a:rPr lang="en-US" altLang="ja-JP" dirty="0"/>
-              <a:t>  }</a:t>
-            </a:r>
-            <a:br>
-              <a:rPr lang="en-US" altLang="ja-JP" dirty="0"/>
-            </a:br>
-            <a:br>
-              <a:rPr lang="en-US" altLang="ja-JP" dirty="0"/>
-            </a:br>
-            <a:r>
-              <a:rPr lang="en-US" altLang="ja-JP" dirty="0"/>
-              <a:t>  if (s &amp; Sleep) {</a:t>
-            </a:r>
-            <a:br>
-              <a:rPr lang="en-US" altLang="ja-JP" dirty="0"/>
-            </a:br>
-            <a:r>
-              <a:rPr lang="en-US" altLang="ja-JP" dirty="0"/>
-              <a:t>    </a:t>
-            </a:r>
-            <a:r>
-              <a:rPr lang="en-US" altLang="ja-JP" dirty="0" err="1"/>
-              <a:t>printf</a:t>
-            </a:r>
-            <a:r>
-              <a:rPr lang="en-US" altLang="ja-JP" dirty="0"/>
-              <a:t>(“</a:t>
-            </a:r>
-            <a:r>
-              <a:rPr lang="ja-JP" altLang="en-US" dirty="0"/>
-              <a:t>眠り </a:t>
-            </a:r>
-            <a:r>
-              <a:rPr lang="en-US" altLang="ja-JP" dirty="0"/>
-              <a:t>”);</a:t>
-            </a:r>
-            <a:br>
-              <a:rPr lang="en-US" altLang="ja-JP" dirty="0"/>
-            </a:br>
-            <a:r>
-              <a:rPr lang="en-US" altLang="ja-JP" dirty="0"/>
-              <a:t>  }</a:t>
-            </a:r>
-            <a:br>
-              <a:rPr lang="en-US" altLang="ja-JP" dirty="0"/>
-            </a:br>
-            <a:br>
-              <a:rPr lang="en-US" altLang="ja-JP" dirty="0"/>
-            </a:br>
-            <a:r>
-              <a:rPr lang="en-US" altLang="ja-JP" dirty="0"/>
-              <a:t>  if (s &amp; Para) {</a:t>
-            </a:r>
-            <a:br>
-              <a:rPr lang="en-US" altLang="ja-JP" dirty="0"/>
-            </a:br>
-            <a:r>
-              <a:rPr lang="en-US" altLang="ja-JP" dirty="0"/>
-              <a:t>    </a:t>
-            </a:r>
-            <a:r>
-              <a:rPr lang="en-US" altLang="ja-JP" dirty="0" err="1"/>
-              <a:t>printf</a:t>
-            </a:r>
-            <a:r>
-              <a:rPr lang="en-US" altLang="ja-JP" dirty="0"/>
-              <a:t>(“</a:t>
-            </a:r>
-            <a:r>
-              <a:rPr lang="ja-JP" altLang="en-US" dirty="0"/>
-              <a:t>麻痺 </a:t>
-            </a:r>
-            <a:r>
-              <a:rPr lang="en-US" altLang="ja-JP" dirty="0"/>
-              <a:t>");</a:t>
-            </a:r>
-            <a:br>
-              <a:rPr lang="en-US" altLang="ja-JP" dirty="0"/>
-            </a:br>
-            <a:r>
-              <a:rPr lang="en-US" altLang="ja-JP" dirty="0"/>
-              <a:t>  }</a:t>
-            </a:r>
-            <a:endParaRPr kumimoji="1" lang="en-US" altLang="ja-JP" dirty="0"/>
+            <a:r>
+              <a:rPr lang="ja-JP" altLang="en-US" sz="3200" dirty="0"/>
+              <a:t>ヒント</a:t>
+            </a:r>
+            <a:br>
+              <a:rPr kumimoji="1" lang="en-US" altLang="ja-JP" sz="3200" dirty="0"/>
+            </a:br>
+            <a:br>
+              <a:rPr lang="en-US" altLang="ja-JP" sz="3200" dirty="0"/>
+            </a:br>
+            <a:r>
+              <a:rPr lang="ja-JP" altLang="en-US" sz="3200" dirty="0"/>
+              <a:t>・</a:t>
+            </a:r>
+            <a:r>
+              <a:rPr lang="en-US" altLang="ja-JP" sz="3200" dirty="0" err="1"/>
+              <a:t>changeStatus</a:t>
+            </a:r>
+            <a:r>
+              <a:rPr lang="ja-JP" altLang="en-US" sz="3200" dirty="0"/>
+              <a:t>関数で状態の設定</a:t>
+            </a:r>
+            <a:br>
+              <a:rPr lang="en-US" altLang="ja-JP" sz="3200" dirty="0"/>
+            </a:br>
+            <a:br>
+              <a:rPr lang="en-US" altLang="ja-JP" sz="3200" dirty="0"/>
+            </a:br>
+            <a:r>
+              <a:rPr lang="ja-JP" altLang="en-US" sz="3200" dirty="0"/>
+              <a:t>　引数としてキャラの状態（</a:t>
+            </a:r>
+            <a:r>
+              <a:rPr lang="en-US" altLang="ja-JP" sz="3200" dirty="0" err="1"/>
+              <a:t>myState</a:t>
+            </a:r>
+            <a:r>
+              <a:rPr lang="ja-JP" altLang="en-US" sz="3200" dirty="0"/>
+              <a:t>）を受け取るが、</a:t>
+            </a:r>
+            <a:br>
+              <a:rPr lang="en-US" altLang="ja-JP" sz="3200" dirty="0"/>
+            </a:br>
+            <a:r>
+              <a:rPr lang="ja-JP" altLang="en-US" sz="3200" dirty="0"/>
+              <a:t>　関数内で値を変更するため、〇〇渡しで引数を受けとる</a:t>
+            </a:r>
+            <a:br>
+              <a:rPr lang="en-US" altLang="ja-JP" sz="3200" dirty="0"/>
+            </a:br>
+            <a:br>
+              <a:rPr lang="en-US" altLang="ja-JP" sz="3200" dirty="0"/>
+            </a:br>
+            <a:r>
+              <a:rPr lang="ja-JP" altLang="en-US" sz="3200" dirty="0"/>
+              <a:t>　状態の設定は</a:t>
+            </a:r>
+            <a:r>
+              <a:rPr lang="en-US" altLang="ja-JP" sz="3200" dirty="0"/>
+              <a:t>OR</a:t>
+            </a:r>
+            <a:r>
+              <a:rPr lang="ja-JP" altLang="en-US" sz="3200" dirty="0"/>
+              <a:t>演算で行う</a:t>
+            </a:r>
+            <a:endParaRPr kumimoji="1" lang="en-US" altLang="ja-JP" sz="3200" dirty="0"/>
           </a:p>
         </p:txBody>
       </p:sp>
     </p:spTree>
     <p:extLst>
       <p:ext uri="{BB962C8B-B14F-4D97-AF65-F5344CB8AC3E}">
-        <p14:creationId xmlns:p14="http://schemas.microsoft.com/office/powerpoint/2010/main" val="3399837628"/>
+        <p14:creationId xmlns:p14="http://schemas.microsoft.com/office/powerpoint/2010/main" val="2024424936"/>
       </p:ext>
     </p:extLst>
   </p:cSld>
@@ -6199,7 +7294,7 @@
               <a:t>演習　</a:t>
             </a:r>
             <a:r>
-              <a:rPr lang="en-US" altLang="ja-JP" dirty="0"/>
+              <a:rPr kumimoji="1" lang="en-US" altLang="ja-JP" dirty="0"/>
               <a:t>bit02.c</a:t>
             </a:r>
             <a:endParaRPr kumimoji="1" lang="ja-JP" altLang="en-US" dirty="0"/>
@@ -6222,159 +7317,86 @@
             <p:ph idx="1"/>
           </p:nvPr>
         </p:nvSpPr>
-        <p:spPr>
-          <a:ln>
-            <a:solidFill>
-              <a:schemeClr val="tx1"/>
-            </a:solidFill>
-          </a:ln>
-        </p:spPr>
+        <p:spPr/>
         <p:txBody>
           <a:bodyPr>
             <a:normAutofit/>
           </a:bodyPr>
           <a:lstStyle/>
           <a:p>
-            <a:pPr marL="0" indent="0">
-              <a:buNone/>
-            </a:pPr>
-            <a:r>
-              <a:rPr lang="en-US" altLang="ja-JP" dirty="0"/>
-              <a:t>  if (s &amp; Burn) {</a:t>
-            </a:r>
-            <a:br>
-              <a:rPr lang="en-US" altLang="ja-JP" dirty="0"/>
-            </a:br>
-            <a:r>
-              <a:rPr lang="en-US" altLang="ja-JP" dirty="0"/>
-              <a:t>    </a:t>
-            </a:r>
-            <a:r>
-              <a:rPr lang="en-US" altLang="ja-JP" dirty="0" err="1"/>
-              <a:t>printf</a:t>
-            </a:r>
-            <a:r>
-              <a:rPr lang="en-US" altLang="ja-JP" dirty="0"/>
-              <a:t>(“</a:t>
-            </a:r>
-            <a:r>
-              <a:rPr lang="ja-JP" altLang="en-US" dirty="0"/>
-              <a:t>火傷 </a:t>
-            </a:r>
-            <a:r>
-              <a:rPr lang="en-US" altLang="ja-JP" dirty="0"/>
-              <a:t>”);</a:t>
-            </a:r>
-            <a:br>
-              <a:rPr lang="en-US" altLang="ja-JP" dirty="0"/>
-            </a:br>
-            <a:r>
-              <a:rPr lang="en-US" altLang="ja-JP" dirty="0"/>
-              <a:t>  }</a:t>
-            </a:r>
-            <a:br>
-              <a:rPr lang="en-US" altLang="ja-JP" dirty="0"/>
-            </a:br>
-            <a:br>
-              <a:rPr lang="en-US" altLang="ja-JP" dirty="0"/>
-            </a:br>
-            <a:r>
-              <a:rPr lang="en-US" altLang="ja-JP" dirty="0"/>
-              <a:t>  if (s &amp; </a:t>
-            </a:r>
-            <a:r>
-              <a:rPr lang="en-US" altLang="ja-JP" dirty="0" err="1"/>
-              <a:t>AtkUp</a:t>
-            </a:r>
-            <a:r>
-              <a:rPr lang="en-US" altLang="ja-JP" dirty="0"/>
-              <a:t>) {</a:t>
-            </a:r>
-            <a:br>
-              <a:rPr lang="en-US" altLang="ja-JP" dirty="0"/>
-            </a:br>
-            <a:r>
-              <a:rPr lang="en-US" altLang="ja-JP" dirty="0"/>
-              <a:t>    </a:t>
-            </a:r>
-            <a:r>
-              <a:rPr lang="en-US" altLang="ja-JP" dirty="0" err="1"/>
-              <a:t>printf</a:t>
-            </a:r>
-            <a:r>
-              <a:rPr lang="en-US" altLang="ja-JP" dirty="0"/>
-              <a:t>(“</a:t>
-            </a:r>
-            <a:r>
-              <a:rPr lang="ja-JP" altLang="en-US" dirty="0"/>
-              <a:t>攻撃力アップ </a:t>
-            </a:r>
-            <a:r>
-              <a:rPr lang="en-US" altLang="ja-JP" dirty="0"/>
-              <a:t>”);</a:t>
-            </a:r>
-            <a:br>
-              <a:rPr lang="en-US" altLang="ja-JP" dirty="0"/>
-            </a:br>
-            <a:r>
-              <a:rPr lang="en-US" altLang="ja-JP" dirty="0"/>
-              <a:t>  }</a:t>
-            </a:r>
-            <a:br>
-              <a:rPr lang="en-US" altLang="ja-JP" dirty="0"/>
-            </a:br>
-            <a:br>
-              <a:rPr lang="en-US" altLang="ja-JP" dirty="0"/>
-            </a:br>
-            <a:r>
-              <a:rPr lang="en-US" altLang="ja-JP" dirty="0"/>
-              <a:t>  if (s &amp; Para) {</a:t>
-            </a:r>
-            <a:br>
-              <a:rPr lang="en-US" altLang="ja-JP" dirty="0"/>
-            </a:br>
-            <a:r>
-              <a:rPr lang="en-US" altLang="ja-JP" dirty="0"/>
-              <a:t>    </a:t>
-            </a:r>
-            <a:r>
-              <a:rPr lang="en-US" altLang="ja-JP" dirty="0" err="1"/>
-              <a:t>printf</a:t>
-            </a:r>
-            <a:r>
-              <a:rPr lang="en-US" altLang="ja-JP" dirty="0"/>
-              <a:t>(“</a:t>
-            </a:r>
-            <a:r>
-              <a:rPr lang="ja-JP" altLang="en-US" dirty="0"/>
-              <a:t>攻撃力ダウン </a:t>
-            </a:r>
-            <a:r>
-              <a:rPr lang="en-US" altLang="ja-JP" dirty="0"/>
-              <a:t>");</a:t>
-            </a:r>
-            <a:br>
-              <a:rPr lang="en-US" altLang="ja-JP" dirty="0"/>
-            </a:br>
-            <a:r>
-              <a:rPr lang="en-US" altLang="ja-JP" dirty="0"/>
-              <a:t>  }</a:t>
-            </a:r>
-            <a:br>
-              <a:rPr lang="en-US" altLang="ja-JP" dirty="0"/>
-            </a:br>
-            <a:r>
-              <a:rPr lang="en-US" altLang="ja-JP" dirty="0"/>
-              <a:t>}</a:t>
-            </a:r>
-            <a:endParaRPr kumimoji="1" lang="en-US" altLang="ja-JP" dirty="0"/>
+            <a:r>
+              <a:rPr lang="ja-JP" altLang="en-US" sz="3200" dirty="0"/>
+              <a:t>ヒント</a:t>
+            </a:r>
+            <a:br>
+              <a:rPr kumimoji="1" lang="en-US" altLang="ja-JP" sz="3200" dirty="0"/>
+            </a:br>
+            <a:br>
+              <a:rPr lang="en-US" altLang="ja-JP" sz="3200" dirty="0"/>
+            </a:br>
+            <a:r>
+              <a:rPr lang="ja-JP" altLang="en-US" sz="3200" dirty="0"/>
+              <a:t>・</a:t>
+            </a:r>
+            <a:r>
+              <a:rPr lang="en-US" altLang="ja-JP" sz="3200" dirty="0" err="1"/>
+              <a:t>clearStatus</a:t>
+            </a:r>
+            <a:r>
+              <a:rPr lang="ja-JP" altLang="en-US" sz="3200" dirty="0"/>
+              <a:t>関数で状態の解除</a:t>
+            </a:r>
+            <a:br>
+              <a:rPr lang="en-US" altLang="ja-JP" sz="3200" dirty="0"/>
+            </a:br>
+            <a:br>
+              <a:rPr lang="en-US" altLang="ja-JP" sz="3200" dirty="0"/>
+            </a:br>
+            <a:r>
+              <a:rPr lang="ja-JP" altLang="en-US" sz="3200" dirty="0"/>
+              <a:t>　引数としてキャラの状態（</a:t>
+            </a:r>
+            <a:r>
+              <a:rPr lang="en-US" altLang="ja-JP" sz="3200" dirty="0" err="1"/>
+              <a:t>myState</a:t>
+            </a:r>
+            <a:r>
+              <a:rPr lang="ja-JP" altLang="en-US" sz="3200" dirty="0"/>
+              <a:t>）を受け取るが、</a:t>
+            </a:r>
+            <a:br>
+              <a:rPr lang="en-US" altLang="ja-JP" sz="3200" dirty="0"/>
+            </a:br>
+            <a:r>
+              <a:rPr lang="ja-JP" altLang="en-US" sz="3200" dirty="0"/>
+              <a:t>　関数内で値を変更するため、〇〇渡しで引数を受けとる</a:t>
+            </a:r>
+            <a:br>
+              <a:rPr lang="en-US" altLang="ja-JP" sz="3200" dirty="0"/>
+            </a:br>
+            <a:br>
+              <a:rPr lang="en-US" altLang="ja-JP" sz="3200" dirty="0"/>
+            </a:br>
+            <a:r>
+              <a:rPr lang="ja-JP" altLang="en-US" sz="3200" dirty="0"/>
+              <a:t>　状態の設定は各状態の反転ビットとの</a:t>
+            </a:r>
+            <a:r>
+              <a:rPr lang="en-US" altLang="ja-JP" sz="3200" dirty="0"/>
+              <a:t>AND</a:t>
+            </a:r>
+            <a:r>
+              <a:rPr lang="ja-JP" altLang="en-US" sz="3200" dirty="0"/>
+              <a:t>演算で行う</a:t>
+            </a:r>
+            <a:endParaRPr kumimoji="1" lang="en-US" altLang="ja-JP" sz="3200" dirty="0"/>
           </a:p>
         </p:txBody>
       </p:sp>
     </p:spTree>
     <p:extLst>
       <p:ext uri="{BB962C8B-B14F-4D97-AF65-F5344CB8AC3E}">
-        <p14:creationId xmlns:p14="http://schemas.microsoft.com/office/powerpoint/2010/main" val="2865523086"/>
+        <p14:creationId xmlns:p14="http://schemas.microsoft.com/office/powerpoint/2010/main" val="3590737276"/>
       </p:ext>
     </p:extLst>
   </p:cSld>
@@ -6385,7 +7407,7 @@
 </file>
 
 <file path=ppt/slides/slide6.xml><?xml version="1.0" encoding="utf-8"?>
-<p:sld xmlns:a="http://schemas.openxmlformats.org/drawingml/2006/main" xmlns:r="http://schemas.openxmlformats.org/officeDocument/2006/relationships" xmlns:p="http://schemas.openxmlformats.org/presentationml/2006/main">
+<p:sld xmlns:a="http://schemas.openxmlformats.org/drawingml/2006/main" xmlns:r="http://schemas.openxmlformats.org/officeDocument/2006/relationships" xmlns:p="http://schemas.openxmlformats.org/presentationml/2006/main" show="0">
   <p:cSld>
     <p:spTree>
       <p:nvGrpSpPr>
@@ -6423,13 +7445,14 @@
           <a:lstStyle/>
           <a:p>
             <a:r>
-              <a:rPr kumimoji="1" lang="en-US" altLang="ja-JP" dirty="0" err="1"/>
-              <a:t>bit.c</a:t>
-            </a:r>
-            <a:r>
-              <a:rPr kumimoji="1" lang="ja-JP" altLang="en-US" dirty="0"/>
-              <a:t>　（①状態フラグを毒にする）</a:t>
-            </a:r>
+              <a:rPr lang="ja-JP" altLang="en-US" dirty="0"/>
+              <a:t>演習　</a:t>
+            </a:r>
+            <a:r>
+              <a:rPr lang="en-US" altLang="ja-JP" dirty="0"/>
+              <a:t>bit02.c</a:t>
+            </a:r>
+            <a:endParaRPr kumimoji="1" lang="ja-JP" altLang="en-US" dirty="0"/>
           </a:p>
         </p:txBody>
       </p:sp>
@@ -6466,6 +7489,57 @@
               <a:buNone/>
             </a:pPr>
             <a:r>
+              <a:rPr lang="en-US" altLang="ja-JP" dirty="0"/>
+              <a:t>//</a:t>
+            </a:r>
+            <a:r>
+              <a:rPr lang="ja-JP" altLang="en-US" dirty="0"/>
+              <a:t>符号無し整数を </a:t>
+            </a:r>
+            <a:r>
+              <a:rPr lang="en-US" altLang="ja-JP" dirty="0"/>
+              <a:t>UINT </a:t>
+            </a:r>
+            <a:r>
+              <a:rPr lang="ja-JP" altLang="en-US" dirty="0"/>
+              <a:t>という別名で定義</a:t>
+            </a:r>
+            <a:br>
+              <a:rPr lang="en-US" altLang="ja-JP" dirty="0"/>
+            </a:br>
+            <a:r>
+              <a:rPr kumimoji="1" lang="en-US" altLang="ja-JP" dirty="0"/>
+              <a:t>typedef unsigned int UINT; </a:t>
+            </a:r>
+            <a:br>
+              <a:rPr kumimoji="1" lang="en-US" altLang="ja-JP" dirty="0"/>
+            </a:br>
+            <a:br>
+              <a:rPr kumimoji="1" lang="en-US" altLang="ja-JP" dirty="0"/>
+            </a:br>
+            <a:r>
+              <a:rPr kumimoji="1" lang="en-US" altLang="ja-JP" dirty="0"/>
+              <a:t>void </a:t>
+            </a:r>
+            <a:r>
+              <a:rPr lang="en-US" altLang="ja-JP" dirty="0" err="1"/>
+              <a:t>d</a:t>
+            </a:r>
+            <a:r>
+              <a:rPr kumimoji="1" lang="en-US" altLang="ja-JP" dirty="0" err="1"/>
+              <a:t>ispStatus</a:t>
+            </a:r>
+            <a:r>
+              <a:rPr kumimoji="1" lang="en-US" altLang="ja-JP" dirty="0"/>
+              <a:t>(UINT);</a:t>
+            </a:r>
+            <a:br>
+              <a:rPr kumimoji="1" lang="en-US" altLang="ja-JP" dirty="0"/>
+            </a:br>
+            <a:br>
+              <a:rPr kumimoji="1" lang="en-US" altLang="ja-JP" dirty="0"/>
+            </a:br>
+            <a:r>
               <a:rPr kumimoji="1" lang="en-US" altLang="ja-JP" dirty="0"/>
               <a:t>main(){</a:t>
             </a:r>
@@ -6510,99 +7584,6 @@
               <a:rPr kumimoji="1" lang="en-US" altLang="ja-JP" dirty="0"/>
             </a:br>
             <a:r>
-              <a:rPr kumimoji="1" lang="en-US" altLang="ja-JP" dirty="0"/>
-              <a:t>  </a:t>
-            </a:r>
-            <a:r>
-              <a:rPr kumimoji="1" lang="en-US" altLang="ja-JP" dirty="0">
-                <a:solidFill>
-                  <a:srgbClr val="FF0000"/>
-                </a:solidFill>
-              </a:rPr>
-              <a:t>//</a:t>
-            </a:r>
-            <a:r>
-              <a:rPr kumimoji="1" lang="ja-JP" altLang="en-US" dirty="0">
-                <a:solidFill>
-                  <a:srgbClr val="FF0000"/>
-                </a:solidFill>
-              </a:rPr>
-              <a:t>毒状態にする（</a:t>
-            </a:r>
-            <a:r>
-              <a:rPr kumimoji="1" lang="en-US" altLang="ja-JP" dirty="0">
-                <a:solidFill>
-                  <a:srgbClr val="FF0000"/>
-                </a:solidFill>
-              </a:rPr>
-              <a:t>Status</a:t>
-            </a:r>
-            <a:r>
-              <a:rPr kumimoji="1" lang="ja-JP" altLang="en-US" dirty="0">
-                <a:solidFill>
-                  <a:srgbClr val="FF0000"/>
-                </a:solidFill>
-              </a:rPr>
-              <a:t>に</a:t>
-            </a:r>
-            <a:r>
-              <a:rPr kumimoji="1" lang="en-US" altLang="ja-JP" dirty="0">
-                <a:solidFill>
-                  <a:srgbClr val="FF0000"/>
-                </a:solidFill>
-              </a:rPr>
-              <a:t>Poison</a:t>
-            </a:r>
-            <a:r>
-              <a:rPr kumimoji="1" lang="ja-JP" altLang="en-US" dirty="0">
-                <a:solidFill>
-                  <a:srgbClr val="FF0000"/>
-                </a:solidFill>
-              </a:rPr>
-              <a:t>を</a:t>
-            </a:r>
-            <a:r>
-              <a:rPr kumimoji="1" lang="en-US" altLang="ja-JP" dirty="0">
-                <a:solidFill>
-                  <a:srgbClr val="FF0000"/>
-                </a:solidFill>
-              </a:rPr>
-              <a:t>OR</a:t>
-            </a:r>
-            <a:r>
-              <a:rPr kumimoji="1" lang="ja-JP" altLang="en-US" dirty="0">
-                <a:solidFill>
-                  <a:srgbClr val="FF0000"/>
-                </a:solidFill>
-              </a:rPr>
-              <a:t>演算）</a:t>
-            </a:r>
-            <a:br>
-              <a:rPr kumimoji="1" lang="en-US" altLang="ja-JP" dirty="0">
-                <a:solidFill>
-                  <a:srgbClr val="FF0000"/>
-                </a:solidFill>
-              </a:rPr>
-            </a:br>
-            <a:r>
-              <a:rPr kumimoji="1" lang="en-US" altLang="ja-JP" dirty="0">
-                <a:solidFill>
-                  <a:srgbClr val="FF0000"/>
-                </a:solidFill>
-              </a:rPr>
-              <a:t>  Status = Status | Poison;</a:t>
-            </a:r>
-            <a:br>
-              <a:rPr kumimoji="1" lang="en-US" altLang="ja-JP" dirty="0">
-                <a:solidFill>
-                  <a:srgbClr val="FF0000"/>
-                </a:solidFill>
-              </a:rPr>
-            </a:br>
-            <a:br>
-              <a:rPr kumimoji="1" lang="en-US" altLang="ja-JP" dirty="0"/>
-            </a:br>
-            <a:r>
               <a:rPr kumimoji="1" lang="ja-JP" altLang="en-US" dirty="0"/>
               <a:t>　　</a:t>
             </a:r>
@@ -6637,52 +7618,13 @@
               <a:t>}</a:t>
             </a:r>
             <a:endParaRPr kumimoji="1" lang="en-US" altLang="ja-JP" dirty="0"/>
-          </a:p>
-        </p:txBody>
-      </p:sp>
-      <p:sp>
-        <p:nvSpPr>
-          <p:cNvPr id="4" name="テキスト ボックス 3">
-            <a:extLst>
-              <a:ext uri="{FF2B5EF4-FFF2-40B4-BE49-F238E27FC236}">
-                <a16:creationId xmlns:a16="http://schemas.microsoft.com/office/drawing/2014/main" id="{19A40EC9-B764-470B-8533-CFC8562AA56C}"/>
-              </a:ext>
-            </a:extLst>
-          </p:cNvPr>
-          <p:cNvSpPr txBox="1"/>
-          <p:nvPr/>
-        </p:nvSpPr>
-        <p:spPr>
-          <a:xfrm>
-            <a:off x="6117771" y="5447306"/>
-            <a:ext cx="5097870" cy="707886"/>
-          </a:xfrm>
-          <a:prstGeom prst="rect">
-            <a:avLst/>
-          </a:prstGeom>
-          <a:noFill/>
-        </p:spPr>
-        <p:txBody>
-          <a:bodyPr wrap="none" rtlCol="0">
-            <a:spAutoFit/>
-          </a:bodyPr>
-          <a:lstStyle/>
-          <a:p>
-            <a:r>
-              <a:rPr kumimoji="1" lang="ja-JP" altLang="en-US" sz="4000" dirty="0">
-                <a:solidFill>
-                  <a:srgbClr val="00B050"/>
-                </a:solidFill>
-              </a:rPr>
-              <a:t>追加して実行してみる</a:t>
-            </a:r>
           </a:p>
         </p:txBody>
       </p:sp>
     </p:spTree>
     <p:extLst>
       <p:ext uri="{BB962C8B-B14F-4D97-AF65-F5344CB8AC3E}">
-        <p14:creationId xmlns:p14="http://schemas.microsoft.com/office/powerpoint/2010/main" val="4061889376"/>
+        <p14:creationId xmlns:p14="http://schemas.microsoft.com/office/powerpoint/2010/main" val="3751235989"/>
       </p:ext>
     </p:extLst>
   </p:cSld>
@@ -6693,7 +7635,7 @@
 </file>
 
 <file path=ppt/slides/slide7.xml><?xml version="1.0" encoding="utf-8"?>
-<p:sld xmlns:a="http://schemas.openxmlformats.org/drawingml/2006/main" xmlns:r="http://schemas.openxmlformats.org/officeDocument/2006/relationships" xmlns:p="http://schemas.openxmlformats.org/presentationml/2006/main">
+<p:sld xmlns:a="http://schemas.openxmlformats.org/drawingml/2006/main" xmlns:r="http://schemas.openxmlformats.org/officeDocument/2006/relationships" xmlns:p="http://schemas.openxmlformats.org/presentationml/2006/main" show="0">
   <p:cSld>
     <p:spTree>
       <p:nvGrpSpPr>
@@ -6731,12 +7673,12 @@
           <a:lstStyle/>
           <a:p>
             <a:r>
-              <a:rPr lang="en-US" altLang="ja-JP" dirty="0" err="1"/>
-              <a:t>bit.c</a:t>
-            </a:r>
-            <a:r>
               <a:rPr lang="ja-JP" altLang="en-US" dirty="0"/>
-              <a:t>　（②状態フラグに火傷を追加）</a:t>
+              <a:t>演習　</a:t>
+            </a:r>
+            <a:r>
+              <a:rPr lang="en-US" altLang="ja-JP" dirty="0"/>
+              <a:t>bit02.c</a:t>
             </a:r>
             <a:endParaRPr kumimoji="1" lang="ja-JP" altLang="en-US" dirty="0"/>
           </a:p>
@@ -6775,268 +7717,180 @@
               <a:buNone/>
             </a:pPr>
             <a:r>
-              <a:rPr kumimoji="1" lang="en-US" altLang="ja-JP" dirty="0"/>
-              <a:t>main(){</a:t>
-            </a:r>
-            <a:br>
-              <a:rPr kumimoji="1" lang="en-US" altLang="ja-JP" dirty="0"/>
-            </a:br>
-            <a:r>
-              <a:rPr kumimoji="1" lang="en-US" altLang="ja-JP" dirty="0"/>
-              <a:t>  //</a:t>
-            </a:r>
-            <a:r>
-              <a:rPr kumimoji="1" lang="ja-JP" altLang="en-US" dirty="0"/>
-              <a:t>符号無し整数 </a:t>
-            </a:r>
-            <a:r>
-              <a:rPr kumimoji="1" lang="en-US" altLang="ja-JP" dirty="0"/>
-              <a:t>Status </a:t>
-            </a:r>
-            <a:r>
-              <a:rPr kumimoji="1" lang="ja-JP" altLang="en-US" dirty="0"/>
-              <a:t>を宣言して </a:t>
-            </a:r>
-            <a:r>
-              <a:rPr kumimoji="1" lang="en-US" altLang="ja-JP" dirty="0"/>
-              <a:t>Base(0) </a:t>
-            </a:r>
-            <a:r>
-              <a:rPr kumimoji="1" lang="ja-JP" altLang="en-US" dirty="0"/>
-              <a:t>を代入</a:t>
-            </a:r>
-            <a:br>
-              <a:rPr kumimoji="1" lang="en-US" altLang="ja-JP" dirty="0"/>
-            </a:br>
-            <a:r>
-              <a:rPr kumimoji="1" lang="en-US" altLang="ja-JP" dirty="0"/>
-              <a:t>  UINT Status = Base;</a:t>
-            </a:r>
-            <a:br>
-              <a:rPr kumimoji="1" lang="en-US" altLang="ja-JP" dirty="0"/>
-            </a:br>
-            <a:br>
-              <a:rPr kumimoji="1" lang="en-US" altLang="ja-JP" dirty="0"/>
-            </a:br>
-            <a:r>
-              <a:rPr kumimoji="1" lang="en-US" altLang="ja-JP" dirty="0"/>
-              <a:t>  //</a:t>
-            </a:r>
-            <a:r>
-              <a:rPr kumimoji="1" lang="ja-JP" altLang="en-US" dirty="0"/>
-              <a:t>毒状態にする（</a:t>
-            </a:r>
-            <a:r>
-              <a:rPr kumimoji="1" lang="en-US" altLang="ja-JP" dirty="0"/>
-              <a:t>Status</a:t>
-            </a:r>
-            <a:r>
-              <a:rPr kumimoji="1" lang="ja-JP" altLang="en-US" dirty="0"/>
-              <a:t>に</a:t>
-            </a:r>
-            <a:r>
-              <a:rPr kumimoji="1" lang="en-US" altLang="ja-JP" dirty="0"/>
-              <a:t>Poison</a:t>
-            </a:r>
-            <a:r>
-              <a:rPr kumimoji="1" lang="ja-JP" altLang="en-US" dirty="0"/>
-              <a:t>を</a:t>
-            </a:r>
-            <a:r>
-              <a:rPr kumimoji="1" lang="en-US" altLang="ja-JP" dirty="0"/>
-              <a:t>OR</a:t>
-            </a:r>
-            <a:r>
-              <a:rPr kumimoji="1" lang="ja-JP" altLang="en-US" dirty="0"/>
-              <a:t>演算）</a:t>
-            </a:r>
-            <a:br>
-              <a:rPr kumimoji="1" lang="en-US" altLang="ja-JP" dirty="0"/>
-            </a:br>
-            <a:r>
-              <a:rPr kumimoji="1" lang="en-US" altLang="ja-JP" dirty="0"/>
-              <a:t>  Status = Status | Poison;</a:t>
-            </a:r>
-            <a:br>
-              <a:rPr lang="en-US" altLang="ja-JP" dirty="0"/>
-            </a:br>
-            <a:br>
-              <a:rPr lang="en-US" altLang="ja-JP" dirty="0"/>
-            </a:br>
-            <a:r>
-              <a:rPr lang="en-US" altLang="ja-JP" dirty="0"/>
-              <a:t>  </a:t>
-            </a:r>
-            <a:r>
-              <a:rPr lang="en-US" altLang="ja-JP" dirty="0">
-                <a:solidFill>
-                  <a:srgbClr val="FF0000"/>
-                </a:solidFill>
-              </a:rPr>
-              <a:t>//</a:t>
-            </a:r>
-            <a:r>
-              <a:rPr lang="ja-JP" altLang="en-US" dirty="0">
-                <a:solidFill>
-                  <a:srgbClr val="FF0000"/>
-                </a:solidFill>
-              </a:rPr>
-              <a:t>火傷状態にする（</a:t>
-            </a:r>
-            <a:r>
-              <a:rPr lang="en-US" altLang="ja-JP" dirty="0">
-                <a:solidFill>
-                  <a:srgbClr val="FF0000"/>
-                </a:solidFill>
-              </a:rPr>
-              <a:t>Status</a:t>
-            </a:r>
-            <a:r>
-              <a:rPr lang="ja-JP" altLang="en-US" dirty="0">
-                <a:solidFill>
-                  <a:srgbClr val="FF0000"/>
-                </a:solidFill>
-              </a:rPr>
-              <a:t>に</a:t>
-            </a:r>
-            <a:r>
-              <a:rPr lang="en-US" altLang="ja-JP" dirty="0">
-                <a:solidFill>
-                  <a:srgbClr val="FF0000"/>
-                </a:solidFill>
-              </a:rPr>
-              <a:t>Burn</a:t>
-            </a:r>
-            <a:r>
-              <a:rPr lang="ja-JP" altLang="en-US" dirty="0">
-                <a:solidFill>
-                  <a:srgbClr val="FF0000"/>
-                </a:solidFill>
-              </a:rPr>
-              <a:t>を</a:t>
-            </a:r>
-            <a:r>
-              <a:rPr lang="en-US" altLang="ja-JP" dirty="0">
-                <a:solidFill>
-                  <a:srgbClr val="FF0000"/>
-                </a:solidFill>
-              </a:rPr>
-              <a:t>OR</a:t>
-            </a:r>
-            <a:r>
-              <a:rPr lang="ja-JP" altLang="en-US" dirty="0">
-                <a:solidFill>
-                  <a:srgbClr val="FF0000"/>
-                </a:solidFill>
-              </a:rPr>
-              <a:t>演算）</a:t>
-            </a:r>
-            <a:br>
-              <a:rPr lang="en-US" altLang="ja-JP" dirty="0">
-                <a:solidFill>
-                  <a:srgbClr val="FF0000"/>
-                </a:solidFill>
-              </a:rPr>
-            </a:br>
-            <a:r>
-              <a:rPr lang="en-US" altLang="ja-JP" dirty="0">
-                <a:solidFill>
-                  <a:srgbClr val="FF0000"/>
-                </a:solidFill>
-              </a:rPr>
-              <a:t>  Status |= Burn;</a:t>
-            </a:r>
-            <a:br>
-              <a:rPr lang="en-US" altLang="ja-JP" dirty="0">
-                <a:solidFill>
-                  <a:srgbClr val="FF0000"/>
-                </a:solidFill>
-              </a:rPr>
-            </a:br>
-            <a:br>
-              <a:rPr kumimoji="1" lang="en-US" altLang="ja-JP" dirty="0"/>
-            </a:br>
-            <a:r>
-              <a:rPr kumimoji="1" lang="ja-JP" altLang="en-US" dirty="0"/>
-              <a:t>　　</a:t>
-            </a:r>
-            <a:r>
-              <a:rPr kumimoji="1" lang="en-US" altLang="ja-JP" dirty="0"/>
-              <a:t>//</a:t>
-            </a:r>
-            <a:r>
-              <a:rPr lang="ja-JP" altLang="en-US" dirty="0"/>
-              <a:t>現在の状態を表示</a:t>
-            </a:r>
-            <a:br>
-              <a:rPr lang="en-US" altLang="ja-JP" dirty="0"/>
-            </a:br>
-            <a:r>
-              <a:rPr lang="en-US" altLang="ja-JP" dirty="0"/>
-              <a:t>  </a:t>
-            </a:r>
-            <a:r>
               <a:rPr lang="en-US" altLang="ja-JP" dirty="0" err="1"/>
               <a:t>dispStatus</a:t>
             </a:r>
             <a:r>
-              <a:rPr lang="en-US" altLang="ja-JP" dirty="0"/>
-              <a:t>(Status);</a:t>
-            </a:r>
-            <a:br>
-              <a:rPr lang="en-US" altLang="ja-JP" dirty="0"/>
-            </a:br>
-            <a:r>
-              <a:rPr lang="en-US" altLang="ja-JP" dirty="0"/>
-              <a:t>}</a:t>
+              <a:rPr kumimoji="1" lang="en-US" altLang="ja-JP" dirty="0"/>
+              <a:t>(){</a:t>
+            </a:r>
+            <a:br>
+              <a:rPr kumimoji="1" lang="en-US" altLang="ja-JP" dirty="0"/>
+            </a:br>
+            <a:r>
+              <a:rPr kumimoji="1" lang="en-US" altLang="ja-JP" dirty="0"/>
+              <a:t>  </a:t>
+            </a:r>
+            <a:r>
+              <a:rPr lang="en-US" altLang="ja-JP" dirty="0" err="1"/>
+              <a:t>printf</a:t>
+            </a:r>
+            <a:r>
+              <a:rPr lang="en-US" altLang="ja-JP" dirty="0"/>
+              <a:t>(“****</a:t>
+            </a:r>
+            <a:r>
+              <a:rPr lang="ja-JP" altLang="en-US" dirty="0"/>
+              <a:t>現在の状態****</a:t>
+            </a:r>
+            <a:r>
+              <a:rPr lang="en-US" altLang="ja-JP" dirty="0"/>
+              <a:t>\n”);</a:t>
+            </a:r>
+            <a:br>
+              <a:rPr lang="en-US" altLang="ja-JP" dirty="0"/>
+            </a:br>
+            <a:r>
+              <a:rPr lang="en-US" altLang="ja-JP" dirty="0"/>
+              <a:t>  //</a:t>
+            </a:r>
+            <a:r>
+              <a:rPr lang="ja-JP" altLang="en-US" dirty="0"/>
+              <a:t>各状態をビットの</a:t>
+            </a:r>
+            <a:r>
+              <a:rPr lang="en-US" altLang="ja-JP" dirty="0"/>
+              <a:t>AND</a:t>
+            </a:r>
+            <a:r>
+              <a:rPr lang="ja-JP" altLang="en-US" dirty="0"/>
+              <a:t>演算でチェック</a:t>
+            </a:r>
+            <a:br>
+              <a:rPr lang="en-US" altLang="ja-JP" dirty="0"/>
+            </a:br>
+            <a:r>
+              <a:rPr lang="en-US" altLang="ja-JP" dirty="0"/>
+              <a:t>  if (s &amp; Poison) {</a:t>
+            </a:r>
+            <a:br>
+              <a:rPr lang="en-US" altLang="ja-JP" dirty="0"/>
+            </a:br>
+            <a:r>
+              <a:rPr lang="en-US" altLang="ja-JP" dirty="0"/>
+              <a:t>    </a:t>
+            </a:r>
+            <a:r>
+              <a:rPr lang="en-US" altLang="ja-JP" dirty="0" err="1"/>
+              <a:t>printf</a:t>
+            </a:r>
+            <a:r>
+              <a:rPr lang="en-US" altLang="ja-JP" dirty="0"/>
+              <a:t>(“</a:t>
+            </a:r>
+            <a:r>
+              <a:rPr lang="ja-JP" altLang="en-US" dirty="0"/>
+              <a:t>毒 </a:t>
+            </a:r>
+            <a:r>
+              <a:rPr lang="en-US" altLang="ja-JP" dirty="0"/>
+              <a:t>”);</a:t>
+            </a:r>
+            <a:br>
+              <a:rPr lang="en-US" altLang="ja-JP" dirty="0"/>
+            </a:br>
+            <a:r>
+              <a:rPr lang="en-US" altLang="ja-JP" dirty="0"/>
+              <a:t>  }</a:t>
+            </a:r>
+            <a:br>
+              <a:rPr lang="en-US" altLang="ja-JP" dirty="0"/>
+            </a:br>
+            <a:br>
+              <a:rPr lang="en-US" altLang="ja-JP" dirty="0"/>
+            </a:br>
+            <a:r>
+              <a:rPr lang="en-US" altLang="ja-JP" dirty="0"/>
+              <a:t>  if (s &amp; Sleep) {</a:t>
+            </a:r>
+            <a:br>
+              <a:rPr lang="en-US" altLang="ja-JP" dirty="0"/>
+            </a:br>
+            <a:r>
+              <a:rPr lang="en-US" altLang="ja-JP" dirty="0"/>
+              <a:t>    </a:t>
+            </a:r>
+            <a:r>
+              <a:rPr lang="en-US" altLang="ja-JP" dirty="0" err="1"/>
+              <a:t>printf</a:t>
+            </a:r>
+            <a:r>
+              <a:rPr lang="en-US" altLang="ja-JP" dirty="0"/>
+              <a:t>(“</a:t>
+            </a:r>
+            <a:r>
+              <a:rPr lang="ja-JP" altLang="en-US" dirty="0"/>
+              <a:t>眠り </a:t>
+            </a:r>
+            <a:r>
+              <a:rPr lang="en-US" altLang="ja-JP" dirty="0"/>
+              <a:t>”);</a:t>
+            </a:r>
+            <a:br>
+              <a:rPr lang="en-US" altLang="ja-JP" dirty="0"/>
+            </a:br>
+            <a:r>
+              <a:rPr lang="en-US" altLang="ja-JP" dirty="0"/>
+              <a:t>  }</a:t>
+            </a:r>
+            <a:br>
+              <a:rPr lang="en-US" altLang="ja-JP" dirty="0"/>
+            </a:br>
+            <a:br>
+              <a:rPr lang="en-US" altLang="ja-JP" dirty="0"/>
+            </a:br>
+            <a:r>
+              <a:rPr lang="en-US" altLang="ja-JP" dirty="0"/>
+              <a:t>  if (s &amp; Para) {</a:t>
+            </a:r>
+            <a:br>
+              <a:rPr lang="en-US" altLang="ja-JP" dirty="0"/>
+            </a:br>
+            <a:r>
+              <a:rPr lang="en-US" altLang="ja-JP" dirty="0"/>
+              <a:t>    </a:t>
+            </a:r>
+            <a:r>
+              <a:rPr lang="en-US" altLang="ja-JP" dirty="0" err="1"/>
+              <a:t>printf</a:t>
+            </a:r>
+            <a:r>
+              <a:rPr lang="en-US" altLang="ja-JP" dirty="0"/>
+              <a:t>(“</a:t>
+            </a:r>
+            <a:r>
+              <a:rPr lang="ja-JP" altLang="en-US" dirty="0"/>
+              <a:t>麻痺 </a:t>
+            </a:r>
+            <a:r>
+              <a:rPr lang="en-US" altLang="ja-JP" dirty="0"/>
+              <a:t>");</a:t>
+            </a:r>
+            <a:br>
+              <a:rPr lang="en-US" altLang="ja-JP" dirty="0"/>
+            </a:br>
+            <a:r>
+              <a:rPr lang="en-US" altLang="ja-JP" dirty="0"/>
+              <a:t>  }</a:t>
             </a:r>
             <a:endParaRPr kumimoji="1" lang="en-US" altLang="ja-JP" dirty="0"/>
-          </a:p>
-        </p:txBody>
-      </p:sp>
-      <p:sp>
-        <p:nvSpPr>
-          <p:cNvPr id="4" name="テキスト ボックス 3">
-            <a:extLst>
-              <a:ext uri="{FF2B5EF4-FFF2-40B4-BE49-F238E27FC236}">
-                <a16:creationId xmlns:a16="http://schemas.microsoft.com/office/drawing/2014/main" id="{C9E09DC7-62E8-4E3F-A511-29D566E3D501}"/>
-              </a:ext>
-            </a:extLst>
-          </p:cNvPr>
-          <p:cNvSpPr txBox="1"/>
-          <p:nvPr/>
-        </p:nvSpPr>
-        <p:spPr>
-          <a:xfrm>
-            <a:off x="6117771" y="5447306"/>
-            <a:ext cx="5097870" cy="707886"/>
-          </a:xfrm>
-          <a:prstGeom prst="rect">
-            <a:avLst/>
-          </a:prstGeom>
-          <a:noFill/>
-        </p:spPr>
-        <p:txBody>
-          <a:bodyPr wrap="none" rtlCol="0">
-            <a:spAutoFit/>
-          </a:bodyPr>
-          <a:lstStyle/>
-          <a:p>
-            <a:r>
-              <a:rPr kumimoji="1" lang="ja-JP" altLang="en-US" sz="4000" dirty="0">
-                <a:solidFill>
-                  <a:srgbClr val="00B050"/>
-                </a:solidFill>
-              </a:rPr>
-              <a:t>追加して実行してみる</a:t>
-            </a:r>
           </a:p>
         </p:txBody>
       </p:sp>
     </p:spTree>
     <p:extLst>
       <p:ext uri="{BB962C8B-B14F-4D97-AF65-F5344CB8AC3E}">
-        <p14:creationId xmlns:p14="http://schemas.microsoft.com/office/powerpoint/2010/main" val="1667843084"/>
+        <p14:creationId xmlns:p14="http://schemas.microsoft.com/office/powerpoint/2010/main" val="3399837628"/>
       </p:ext>
     </p:extLst>
   </p:cSld>
@@ -7047,7 +7901,7 @@
 </file>
 
 <file path=ppt/slides/slide8.xml><?xml version="1.0" encoding="utf-8"?>
-<p:sld xmlns:a="http://schemas.openxmlformats.org/drawingml/2006/main" xmlns:r="http://schemas.openxmlformats.org/officeDocument/2006/relationships" xmlns:p="http://schemas.openxmlformats.org/presentationml/2006/main">
+<p:sld xmlns:a="http://schemas.openxmlformats.org/drawingml/2006/main" xmlns:r="http://schemas.openxmlformats.org/officeDocument/2006/relationships" xmlns:p="http://schemas.openxmlformats.org/presentationml/2006/main" show="0">
   <p:cSld>
     <p:spTree>
       <p:nvGrpSpPr>
@@ -7085,12 +7939,12 @@
           <a:lstStyle/>
           <a:p>
             <a:r>
-              <a:rPr lang="en-US" altLang="ja-JP" dirty="0" err="1"/>
-              <a:t>bit.c</a:t>
-            </a:r>
-            <a:r>
               <a:rPr lang="ja-JP" altLang="en-US" dirty="0"/>
-              <a:t>　（③状態フラグの変更を追加）</a:t>
+              <a:t>演習　</a:t>
+            </a:r>
+            <a:r>
+              <a:rPr lang="en-US" altLang="ja-JP" dirty="0"/>
+              <a:t>bit02.c</a:t>
             </a:r>
             <a:endParaRPr kumimoji="1" lang="ja-JP" altLang="en-US" dirty="0"/>
           </a:p>
@@ -7129,162 +7983,126 @@
               <a:buNone/>
             </a:pPr>
             <a:r>
-              <a:rPr kumimoji="1" lang="en-US" altLang="ja-JP" dirty="0">
-                <a:solidFill>
-                  <a:srgbClr val="FF0000"/>
-                </a:solidFill>
-              </a:rPr>
-              <a:t>void </a:t>
-            </a:r>
-            <a:r>
-              <a:rPr kumimoji="1" lang="en-US" altLang="ja-JP" dirty="0" err="1">
-                <a:solidFill>
-                  <a:srgbClr val="FF0000"/>
-                </a:solidFill>
-              </a:rPr>
-              <a:t>changeStatus</a:t>
-            </a:r>
-            <a:r>
-              <a:rPr kumimoji="1" lang="en-US" altLang="ja-JP" dirty="0">
-                <a:solidFill>
-                  <a:srgbClr val="FF0000"/>
-                </a:solidFill>
-              </a:rPr>
-              <a:t>(UINT*)</a:t>
-            </a:r>
-            <a:br>
-              <a:rPr kumimoji="1" lang="en-US" altLang="ja-JP" dirty="0"/>
-            </a:br>
-            <a:br>
-              <a:rPr kumimoji="1" lang="en-US" altLang="ja-JP" dirty="0"/>
-            </a:br>
-            <a:r>
-              <a:rPr kumimoji="1" lang="en-US" altLang="ja-JP" dirty="0"/>
-              <a:t>main(){</a:t>
-            </a:r>
-            <a:br>
-              <a:rPr kumimoji="1" lang="en-US" altLang="ja-JP" dirty="0"/>
-            </a:br>
-            <a:r>
-              <a:rPr kumimoji="1" lang="en-US" altLang="ja-JP" dirty="0"/>
-              <a:t>  //</a:t>
-            </a:r>
-            <a:r>
-              <a:rPr kumimoji="1" lang="ja-JP" altLang="en-US" dirty="0"/>
-              <a:t>符号無し整数 </a:t>
-            </a:r>
-            <a:r>
-              <a:rPr kumimoji="1" lang="en-US" altLang="ja-JP" dirty="0"/>
-              <a:t>Status </a:t>
-            </a:r>
-            <a:r>
-              <a:rPr kumimoji="1" lang="ja-JP" altLang="en-US" dirty="0"/>
-              <a:t>を宣言して </a:t>
-            </a:r>
-            <a:r>
-              <a:rPr kumimoji="1" lang="en-US" altLang="ja-JP" dirty="0"/>
-              <a:t>Base(0) </a:t>
-            </a:r>
-            <a:r>
-              <a:rPr kumimoji="1" lang="ja-JP" altLang="en-US" dirty="0"/>
-              <a:t>を代入</a:t>
-            </a:r>
-            <a:br>
-              <a:rPr kumimoji="1" lang="en-US" altLang="ja-JP" dirty="0"/>
-            </a:br>
-            <a:r>
-              <a:rPr kumimoji="1" lang="en-US" altLang="ja-JP" dirty="0"/>
-              <a:t>  UINT Status = Base;</a:t>
-            </a:r>
-            <a:br>
-              <a:rPr kumimoji="1" lang="en-US" altLang="ja-JP" dirty="0"/>
-            </a:br>
-            <a:br>
-              <a:rPr kumimoji="1" lang="en-US" altLang="ja-JP" dirty="0"/>
-            </a:br>
-            <a:r>
-              <a:rPr kumimoji="1" lang="en-US" altLang="ja-JP" dirty="0">
-                <a:solidFill>
-                  <a:srgbClr val="FF0000"/>
-                </a:solidFill>
-              </a:rPr>
-              <a:t>  //</a:t>
-            </a:r>
-            <a:r>
-              <a:rPr kumimoji="1" lang="ja-JP" altLang="en-US" dirty="0">
-                <a:solidFill>
-                  <a:srgbClr val="FF0000"/>
-                </a:solidFill>
-              </a:rPr>
-              <a:t>状態を変化させる</a:t>
-            </a:r>
-            <a:br>
-              <a:rPr kumimoji="1" lang="en-US" altLang="ja-JP" dirty="0">
-                <a:solidFill>
-                  <a:srgbClr val="FF0000"/>
-                </a:solidFill>
-              </a:rPr>
-            </a:br>
-            <a:r>
-              <a:rPr kumimoji="1" lang="en-US" altLang="ja-JP" dirty="0">
-                <a:solidFill>
-                  <a:srgbClr val="FF0000"/>
-                </a:solidFill>
-              </a:rPr>
-              <a:t>  </a:t>
-            </a:r>
-            <a:r>
-              <a:rPr kumimoji="1" lang="en-US" altLang="ja-JP" dirty="0" err="1">
-                <a:solidFill>
-                  <a:srgbClr val="FF0000"/>
-                </a:solidFill>
-              </a:rPr>
-              <a:t>changeStatus</a:t>
-            </a:r>
-            <a:r>
-              <a:rPr kumimoji="1" lang="en-US" altLang="ja-JP" dirty="0">
-                <a:solidFill>
-                  <a:srgbClr val="FF0000"/>
-                </a:solidFill>
-              </a:rPr>
-              <a:t>(&amp;Status);</a:t>
-            </a:r>
-            <a:br>
-              <a:rPr lang="en-US" altLang="ja-JP" dirty="0">
-                <a:solidFill>
-                  <a:srgbClr val="FF0000"/>
-                </a:solidFill>
-              </a:rPr>
-            </a:br>
-            <a:br>
-              <a:rPr kumimoji="1" lang="en-US" altLang="ja-JP" dirty="0"/>
-            </a:br>
-            <a:r>
-              <a:rPr kumimoji="1" lang="ja-JP" altLang="en-US" dirty="0"/>
-              <a:t>　　</a:t>
-            </a:r>
-            <a:r>
-              <a:rPr kumimoji="1" lang="en-US" altLang="ja-JP" dirty="0"/>
-              <a:t>//</a:t>
+              <a:rPr lang="en-US" altLang="ja-JP" dirty="0"/>
+              <a:t>  if (s &amp; Burn) {</a:t>
+            </a:r>
+            <a:br>
+              <a:rPr lang="en-US" altLang="ja-JP" dirty="0"/>
+            </a:br>
+            <a:r>
+              <a:rPr lang="en-US" altLang="ja-JP" dirty="0"/>
+              <a:t>    </a:t>
+            </a:r>
+            <a:r>
+              <a:rPr lang="en-US" altLang="ja-JP" dirty="0" err="1"/>
+              <a:t>printf</a:t>
+            </a:r>
+            <a:r>
+              <a:rPr lang="en-US" altLang="ja-JP" dirty="0"/>
+              <a:t>(“</a:t>
             </a:r>
             <a:r>
               <a:rPr lang="ja-JP" altLang="en-US" dirty="0"/>
-              <a:t>現在の状態を表示</a:t>
-            </a:r>
-            <a:br>
-              <a:rPr lang="en-US" altLang="ja-JP" dirty="0"/>
-            </a:br>
-            <a:r>
-              <a:rPr lang="en-US" altLang="ja-JP" dirty="0"/>
-              <a:t>  </a:t>
+              <a:t>火傷 </a:t>
+            </a:r>
+            <a:r>
+              <a:rPr lang="en-US" altLang="ja-JP" dirty="0"/>
+              <a:t>”);</a:t>
+            </a:r>
+            <a:br>
+              <a:rPr lang="en-US" altLang="ja-JP" dirty="0"/>
+            </a:br>
+            <a:r>
+              <a:rPr lang="en-US" altLang="ja-JP" dirty="0"/>
+              <a:t>  }</a:t>
+            </a:r>
+            <a:br>
+              <a:rPr lang="en-US" altLang="ja-JP" dirty="0"/>
+            </a:br>
+            <a:br>
+              <a:rPr lang="en-US" altLang="ja-JP" dirty="0"/>
+            </a:br>
+            <a:r>
+              <a:rPr lang="en-US" altLang="ja-JP" dirty="0"/>
+              <a:t>  if (s &amp; </a:t>
             </a:r>
             <a:r>
               <a:rPr lang="en-US" altLang="ja-JP" dirty="0" err="1"/>
-              <a:t>dispStatus</a:t>
-            </a:r>
-            <a:r>
-              <a:rPr lang="en-US" altLang="ja-JP" dirty="0"/>
-              <a:t>(Status);</a:t>
+              <a:t>AtkUp</a:t>
+            </a:r>
+            <a:r>
+              <a:rPr lang="en-US" altLang="ja-JP" dirty="0"/>
+              <a:t>) {</a:t>
+            </a:r>
+            <a:br>
+              <a:rPr lang="en-US" altLang="ja-JP" dirty="0"/>
+            </a:br>
+            <a:r>
+              <a:rPr lang="en-US" altLang="ja-JP" dirty="0"/>
+              <a:t>    </a:t>
+            </a:r>
+            <a:r>
+              <a:rPr lang="en-US" altLang="ja-JP" dirty="0" err="1"/>
+              <a:t>printf</a:t>
+            </a:r>
+            <a:r>
+              <a:rPr lang="en-US" altLang="ja-JP" dirty="0"/>
+              <a:t>(“</a:t>
+            </a:r>
+            <a:r>
+              <a:rPr lang="ja-JP" altLang="en-US" dirty="0"/>
+              <a:t>攻撃力アップ </a:t>
+            </a:r>
+            <a:r>
+              <a:rPr lang="en-US" altLang="ja-JP" dirty="0"/>
+              <a:t>”);</a:t>
+            </a:r>
+            <a:br>
+              <a:rPr lang="en-US" altLang="ja-JP" dirty="0"/>
+            </a:br>
+            <a:r>
+              <a:rPr lang="en-US" altLang="ja-JP" dirty="0"/>
+              <a:t>  }</a:t>
+            </a:r>
+            <a:br>
+              <a:rPr lang="en-US" altLang="ja-JP" dirty="0"/>
+            </a:br>
+            <a:br>
+              <a:rPr lang="en-US" altLang="ja-JP" dirty="0"/>
+            </a:br>
+            <a:r>
+              <a:rPr lang="en-US" altLang="ja-JP" dirty="0"/>
+              <a:t>  if (s &amp; Para) {</a:t>
+            </a:r>
+            <a:br>
+              <a:rPr lang="en-US" altLang="ja-JP" dirty="0"/>
+            </a:br>
+            <a:r>
+              <a:rPr lang="en-US" altLang="ja-JP" dirty="0"/>
+              <a:t>    </a:t>
+            </a:r>
+            <a:r>
+              <a:rPr lang="en-US" altLang="ja-JP" dirty="0" err="1"/>
+              <a:t>printf</a:t>
+            </a:r>
+            <a:r>
+              <a:rPr lang="en-US" altLang="ja-JP" dirty="0"/>
+              <a:t>(“</a:t>
+            </a:r>
+            <a:r>
+              <a:rPr lang="ja-JP" altLang="en-US" dirty="0"/>
+              <a:t>攻撃力ダウン </a:t>
+            </a:r>
+            <a:r>
+              <a:rPr lang="en-US" altLang="ja-JP" dirty="0"/>
+              <a:t>");</a:t>
+            </a:r>
+            <a:br>
+              <a:rPr lang="en-US" altLang="ja-JP" dirty="0"/>
+            </a:br>
+            <a:r>
+              <a:rPr lang="en-US" altLang="ja-JP" dirty="0"/>
+              <a:t>  }</a:t>
             </a:r>
             <a:br>
               <a:rPr lang="en-US" altLang="ja-JP" dirty="0"/>
@@ -7300,7 +8118,7 @@
     </p:spTree>
     <p:extLst>
       <p:ext uri="{BB962C8B-B14F-4D97-AF65-F5344CB8AC3E}">
-        <p14:creationId xmlns:p14="http://schemas.microsoft.com/office/powerpoint/2010/main" val="1528286512"/>
+        <p14:creationId xmlns:p14="http://schemas.microsoft.com/office/powerpoint/2010/main" val="2865523086"/>
       </p:ext>
     </p:extLst>
   </p:cSld>
@@ -7311,7 +8129,7 @@
 </file>
 
 <file path=ppt/slides/slide9.xml><?xml version="1.0" encoding="utf-8"?>
-<p:sld xmlns:a="http://schemas.openxmlformats.org/drawingml/2006/main" xmlns:r="http://schemas.openxmlformats.org/officeDocument/2006/relationships" xmlns:p="http://schemas.openxmlformats.org/presentationml/2006/main">
+<p:sld xmlns:a="http://schemas.openxmlformats.org/drawingml/2006/main" xmlns:r="http://schemas.openxmlformats.org/officeDocument/2006/relationships" xmlns:p="http://schemas.openxmlformats.org/presentationml/2006/main" show="0">
   <p:cSld>
     <p:spTree>
       <p:nvGrpSpPr>
@@ -7349,14 +8167,13 @@
           <a:lstStyle/>
           <a:p>
             <a:r>
-              <a:rPr lang="en-US" altLang="ja-JP" dirty="0" err="1"/>
+              <a:rPr kumimoji="1" lang="en-US" altLang="ja-JP" dirty="0" err="1"/>
               <a:t>bit.c</a:t>
             </a:r>
             <a:r>
-              <a:rPr lang="ja-JP" altLang="en-US" dirty="0"/>
-              <a:t>　（③状態フラグの変更を追加）</a:t>
-            </a:r>
-            <a:endParaRPr kumimoji="1" lang="ja-JP" altLang="en-US" dirty="0"/>
+              <a:rPr kumimoji="1" lang="ja-JP" altLang="en-US" dirty="0"/>
+              <a:t>　（①状態フラグを毒にする）</a:t>
+            </a:r>
           </a:p>
         </p:txBody>
       </p:sp>
@@ -7393,12 +8210,52 @@
               <a:buNone/>
             </a:pPr>
             <a:r>
-              <a:rPr lang="en-US" altLang="ja-JP" dirty="0" err="1">
-                <a:solidFill>
-                  <a:srgbClr val="FF0000"/>
-                </a:solidFill>
-              </a:rPr>
-              <a:t>changeStatus</a:t>
+              <a:rPr kumimoji="1" lang="en-US" altLang="ja-JP" dirty="0"/>
+              <a:t>main(){</a:t>
+            </a:r>
+            <a:br>
+              <a:rPr kumimoji="1" lang="en-US" altLang="ja-JP" dirty="0"/>
+            </a:br>
+            <a:r>
+              <a:rPr kumimoji="1" lang="en-US" altLang="ja-JP" dirty="0"/>
+              <a:t>  //</a:t>
+            </a:r>
+            <a:r>
+              <a:rPr kumimoji="1" lang="ja-JP" altLang="en-US" dirty="0"/>
+              <a:t>符号無し整数 </a:t>
+            </a:r>
+            <a:r>
+              <a:rPr kumimoji="1" lang="en-US" altLang="ja-JP" dirty="0"/>
+              <a:t>Status </a:t>
+            </a:r>
+            <a:r>
+              <a:rPr kumimoji="1" lang="ja-JP" altLang="en-US" dirty="0"/>
+              <a:t>を宣言して </a:t>
+            </a:r>
+            <a:r>
+              <a:rPr kumimoji="1" lang="en-US" altLang="ja-JP" dirty="0"/>
+              <a:t>Base(0) </a:t>
+            </a:r>
+            <a:r>
+              <a:rPr kumimoji="1" lang="ja-JP" altLang="en-US" dirty="0"/>
+              <a:t>を代入</a:t>
+            </a:r>
+            <a:br>
+              <a:rPr kumimoji="1" lang="en-US" altLang="ja-JP" dirty="0"/>
+            </a:br>
+            <a:r>
+              <a:rPr kumimoji="1" lang="en-US" altLang="ja-JP" dirty="0"/>
+              <a:t>  UINT Status = Base;</a:t>
+            </a:r>
+            <a:br>
+              <a:rPr kumimoji="1" lang="en-US" altLang="ja-JP" dirty="0"/>
+            </a:br>
+            <a:br>
+              <a:rPr kumimoji="1" lang="en-US" altLang="ja-JP" dirty="0"/>
+            </a:br>
+            <a:r>
+              <a:rPr kumimoji="1" lang="en-US" altLang="ja-JP" dirty="0"/>
+              <a:t>  </a:t>
             </a:r>
             <a:r>
               <a:rPr kumimoji="1" lang="en-US" altLang="ja-JP" dirty="0">
@@ -7406,410 +8263,124 @@
                   <a:srgbClr val="FF0000"/>
                 </a:solidFill>
               </a:rPr>
-              <a:t>(UINT* status){</a:t>
-            </a:r>
-            <a:br>
+              <a:t>//</a:t>
+            </a:r>
+            <a:r>
+              <a:rPr kumimoji="1" lang="ja-JP" altLang="en-US" dirty="0">
+                <a:solidFill>
+                  <a:srgbClr val="FF0000"/>
+                </a:solidFill>
+              </a:rPr>
+              <a:t>毒状態にする（</a:t>
+            </a:r>
+            <a:r>
               <a:rPr kumimoji="1" lang="en-US" altLang="ja-JP" dirty="0">
                 <a:solidFill>
                   <a:srgbClr val="FF0000"/>
                 </a:solidFill>
               </a:rPr>
-            </a:br>
+              <a:t>Status</a:t>
+            </a:r>
+            <a:r>
+              <a:rPr kumimoji="1" lang="ja-JP" altLang="en-US" dirty="0">
+                <a:solidFill>
+                  <a:srgbClr val="FF0000"/>
+                </a:solidFill>
+              </a:rPr>
+              <a:t>に</a:t>
+            </a:r>
             <a:r>
               <a:rPr kumimoji="1" lang="en-US" altLang="ja-JP" dirty="0">
                 <a:solidFill>
                   <a:srgbClr val="FF0000"/>
                 </a:solidFill>
               </a:rPr>
-              <a:t>  int </a:t>
-            </a:r>
-            <a:r>
-              <a:rPr lang="en-US" altLang="ja-JP" dirty="0">
-                <a:solidFill>
-                  <a:srgbClr val="FF0000"/>
-                </a:solidFill>
-              </a:rPr>
-              <a:t>change;</a:t>
-            </a:r>
-            <a:br>
+              <a:t>Poison</a:t>
+            </a:r>
+            <a:r>
+              <a:rPr kumimoji="1" lang="ja-JP" altLang="en-US" dirty="0">
+                <a:solidFill>
+                  <a:srgbClr val="FF0000"/>
+                </a:solidFill>
+              </a:rPr>
+              <a:t>を</a:t>
+            </a:r>
+            <a:r>
               <a:rPr kumimoji="1" lang="en-US" altLang="ja-JP" dirty="0">
                 <a:solidFill>
                   <a:srgbClr val="FF0000"/>
                 </a:solidFill>
               </a:rPr>
-            </a:br>
-            <a:r>
-              <a:rPr lang="ja-JP" altLang="en-US" dirty="0">
-                <a:solidFill>
-                  <a:srgbClr val="FF0000"/>
-                </a:solidFill>
-              </a:rPr>
-              <a:t>　</a:t>
-            </a:r>
-            <a:r>
-              <a:rPr lang="en-US" altLang="ja-JP" dirty="0">
-                <a:solidFill>
-                  <a:srgbClr val="FF0000"/>
-                </a:solidFill>
-              </a:rPr>
-              <a:t> </a:t>
-            </a:r>
-            <a:r>
-              <a:rPr lang="en-US" altLang="ja-JP" dirty="0" err="1">
-                <a:solidFill>
-                  <a:srgbClr val="FF0000"/>
-                </a:solidFill>
-              </a:rPr>
-              <a:t>printf</a:t>
-            </a:r>
-            <a:r>
-              <a:rPr lang="en-US" altLang="ja-JP" dirty="0">
-                <a:solidFill>
-                  <a:srgbClr val="FF0000"/>
-                </a:solidFill>
-              </a:rPr>
-              <a:t>(“</a:t>
-            </a:r>
-            <a:r>
-              <a:rPr lang="ja-JP" altLang="en-US" dirty="0">
-                <a:solidFill>
-                  <a:srgbClr val="FF0000"/>
-                </a:solidFill>
-              </a:rPr>
-              <a:t>セットする状態を入力</a:t>
-            </a:r>
-            <a:r>
-              <a:rPr lang="en-US" altLang="ja-JP" dirty="0">
-                <a:solidFill>
-                  <a:srgbClr val="FF0000"/>
-                </a:solidFill>
-              </a:rPr>
-              <a:t>\n”);</a:t>
-            </a:r>
-            <a:r>
-              <a:rPr lang="ja-JP" altLang="en-US" dirty="0">
-                <a:solidFill>
-                  <a:srgbClr val="FF0000"/>
-                </a:solidFill>
-              </a:rPr>
-              <a:t> </a:t>
-            </a:r>
-            <a:br>
-              <a:rPr lang="en-US" altLang="ja-JP" dirty="0">
-                <a:solidFill>
-                  <a:srgbClr val="FF0000"/>
-                </a:solidFill>
-              </a:rPr>
-            </a:br>
-            <a:r>
-              <a:rPr lang="en-US" altLang="ja-JP" dirty="0">
-                <a:solidFill>
-                  <a:srgbClr val="FF0000"/>
-                </a:solidFill>
-              </a:rPr>
+              <a:t>OR</a:t>
+            </a:r>
+            <a:r>
+              <a:rPr kumimoji="1" lang="ja-JP" altLang="en-US" dirty="0">
+                <a:solidFill>
+                  <a:srgbClr val="FF0000"/>
+                </a:solidFill>
+              </a:rPr>
+              <a:t>演算）</a:t>
+            </a:r>
+            <a:br>
+              <a:rPr kumimoji="1" lang="en-US" altLang="ja-JP" dirty="0">
+                <a:solidFill>
+                  <a:srgbClr val="FF0000"/>
+                </a:solidFill>
+              </a:rPr>
+            </a:br>
+            <a:r>
+              <a:rPr kumimoji="1" lang="en-US" altLang="ja-JP" dirty="0">
+                <a:solidFill>
+                  <a:srgbClr val="FF0000"/>
+                </a:solidFill>
+              </a:rPr>
+              <a:t>  Status = Status | Poison;</a:t>
+            </a:r>
+            <a:br>
+              <a:rPr kumimoji="1" lang="en-US" altLang="ja-JP" dirty="0">
+                <a:solidFill>
+                  <a:srgbClr val="FF0000"/>
+                </a:solidFill>
+              </a:rPr>
+            </a:br>
+            <a:br>
+              <a:rPr kumimoji="1" lang="en-US" altLang="ja-JP" dirty="0"/>
+            </a:br>
+            <a:r>
+              <a:rPr kumimoji="1" lang="ja-JP" altLang="en-US" dirty="0"/>
+              <a:t>　　</a:t>
+            </a:r>
+            <a:r>
+              <a:rPr kumimoji="1" lang="en-US" altLang="ja-JP" dirty="0"/>
+              <a:t>//</a:t>
+            </a:r>
+            <a:r>
+              <a:rPr lang="ja-JP" altLang="en-US" dirty="0"/>
+              <a:t>現在の状態を表示</a:t>
+            </a:r>
+            <a:br>
+              <a:rPr lang="en-US" altLang="ja-JP" dirty="0"/>
+            </a:br>
+            <a:r>
+              <a:rPr lang="en-US" altLang="ja-JP" dirty="0"/>
               <a:t>  </a:t>
             </a:r>
             <a:r>
-              <a:rPr lang="en-US" altLang="ja-JP" dirty="0" err="1">
-                <a:solidFill>
-                  <a:srgbClr val="FF0000"/>
-                </a:solidFill>
-              </a:rPr>
-              <a:t>printf</a:t>
-            </a:r>
-            <a:r>
-              <a:rPr lang="en-US" altLang="ja-JP" dirty="0">
-                <a:solidFill>
-                  <a:srgbClr val="FF0000"/>
-                </a:solidFill>
-              </a:rPr>
-              <a:t>(“%d:</a:t>
-            </a:r>
-            <a:r>
-              <a:rPr lang="ja-JP" altLang="en-US" dirty="0">
-                <a:solidFill>
-                  <a:srgbClr val="FF0000"/>
-                </a:solidFill>
-              </a:rPr>
-              <a:t>毒 </a:t>
-            </a:r>
-            <a:r>
-              <a:rPr lang="en-US" altLang="ja-JP" dirty="0">
-                <a:solidFill>
-                  <a:srgbClr val="FF0000"/>
-                </a:solidFill>
-              </a:rPr>
-              <a:t>%d:</a:t>
-            </a:r>
-            <a:r>
-              <a:rPr lang="ja-JP" altLang="en-US" dirty="0">
-                <a:solidFill>
-                  <a:srgbClr val="FF0000"/>
-                </a:solidFill>
-              </a:rPr>
-              <a:t>眠り </a:t>
-            </a:r>
-            <a:r>
-              <a:rPr lang="en-US" altLang="ja-JP" dirty="0">
-                <a:solidFill>
-                  <a:srgbClr val="FF0000"/>
-                </a:solidFill>
-              </a:rPr>
-              <a:t>%d:</a:t>
-            </a:r>
-            <a:r>
-              <a:rPr lang="ja-JP" altLang="en-US" dirty="0">
-                <a:solidFill>
-                  <a:srgbClr val="FF0000"/>
-                </a:solidFill>
-              </a:rPr>
-              <a:t>麻痺 </a:t>
-            </a:r>
-            <a:r>
-              <a:rPr lang="en-US" altLang="ja-JP" dirty="0">
-                <a:solidFill>
-                  <a:srgbClr val="FF0000"/>
-                </a:solidFill>
-              </a:rPr>
-              <a:t>%d:</a:t>
-            </a:r>
-            <a:r>
-              <a:rPr lang="ja-JP" altLang="en-US" dirty="0">
-                <a:solidFill>
-                  <a:srgbClr val="FF0000"/>
-                </a:solidFill>
-              </a:rPr>
-              <a:t>火傷 </a:t>
-            </a:r>
-            <a:br>
-              <a:rPr lang="en-US" altLang="ja-JP" dirty="0">
-                <a:solidFill>
-                  <a:srgbClr val="FF0000"/>
-                </a:solidFill>
-              </a:rPr>
-            </a:br>
-            <a:r>
-              <a:rPr lang="en-US" altLang="ja-JP" dirty="0">
-                <a:solidFill>
-                  <a:srgbClr val="FF0000"/>
-                </a:solidFill>
-              </a:rPr>
-              <a:t>          %d:</a:t>
-            </a:r>
-            <a:r>
-              <a:rPr lang="ja-JP" altLang="en-US" dirty="0">
-                <a:solidFill>
-                  <a:srgbClr val="FF0000"/>
-                </a:solidFill>
-              </a:rPr>
-              <a:t>攻撃アップ </a:t>
-            </a:r>
-            <a:r>
-              <a:rPr lang="en-US" altLang="ja-JP" dirty="0">
-                <a:solidFill>
-                  <a:srgbClr val="FF0000"/>
-                </a:solidFill>
-              </a:rPr>
-              <a:t>%d</a:t>
-            </a:r>
-            <a:r>
-              <a:rPr lang="ja-JP" altLang="en-US" dirty="0">
-                <a:solidFill>
-                  <a:srgbClr val="FF0000"/>
-                </a:solidFill>
-              </a:rPr>
-              <a:t>攻撃ダウン＞</a:t>
-            </a:r>
-            <a:r>
-              <a:rPr lang="en-US" altLang="ja-JP" dirty="0">
-                <a:solidFill>
-                  <a:srgbClr val="FF0000"/>
-                </a:solidFill>
-              </a:rPr>
-              <a:t>”</a:t>
-            </a:r>
-            <a:br>
-              <a:rPr lang="en-US" altLang="ja-JP" dirty="0">
-                <a:solidFill>
-                  <a:srgbClr val="FF0000"/>
-                </a:solidFill>
-              </a:rPr>
-            </a:br>
-            <a:r>
-              <a:rPr lang="en-US" altLang="ja-JP" dirty="0">
-                <a:solidFill>
-                  <a:srgbClr val="FF0000"/>
-                </a:solidFill>
-              </a:rPr>
-              <a:t>          ,Poison, Sleep, Para, Burn</a:t>
-            </a:r>
-            <a:br>
-              <a:rPr lang="en-US" altLang="ja-JP" dirty="0">
-                <a:solidFill>
-                  <a:srgbClr val="FF0000"/>
-                </a:solidFill>
-              </a:rPr>
-            </a:br>
-            <a:r>
-              <a:rPr lang="en-US" altLang="ja-JP" dirty="0">
-                <a:solidFill>
-                  <a:srgbClr val="FF0000"/>
-                </a:solidFill>
-              </a:rPr>
-              <a:t>          ,</a:t>
-            </a:r>
-            <a:r>
-              <a:rPr lang="en-US" altLang="ja-JP" dirty="0" err="1">
-                <a:solidFill>
-                  <a:srgbClr val="FF0000"/>
-                </a:solidFill>
-              </a:rPr>
-              <a:t>AtkUp</a:t>
-            </a:r>
-            <a:r>
-              <a:rPr lang="en-US" altLang="ja-JP" dirty="0">
-                <a:solidFill>
-                  <a:srgbClr val="FF0000"/>
-                </a:solidFill>
-              </a:rPr>
-              <a:t>, </a:t>
-            </a:r>
-            <a:r>
-              <a:rPr lang="en-US" altLang="ja-JP" dirty="0" err="1">
-                <a:solidFill>
-                  <a:srgbClr val="FF0000"/>
-                </a:solidFill>
-              </a:rPr>
-              <a:t>AtkDown</a:t>
-            </a:r>
-            <a:r>
-              <a:rPr lang="en-US" altLang="ja-JP" dirty="0">
-                <a:solidFill>
-                  <a:srgbClr val="FF0000"/>
-                </a:solidFill>
-              </a:rPr>
-              <a:t>);</a:t>
-            </a:r>
-            <a:br>
-              <a:rPr lang="en-US" altLang="ja-JP" dirty="0">
-                <a:solidFill>
-                  <a:srgbClr val="FF0000"/>
-                </a:solidFill>
-              </a:rPr>
-            </a:br>
-            <a:r>
-              <a:rPr lang="en-US" altLang="ja-JP" dirty="0">
-                <a:solidFill>
-                  <a:srgbClr val="FF0000"/>
-                </a:solidFill>
-              </a:rPr>
-              <a:t>  </a:t>
-            </a:r>
-            <a:r>
-              <a:rPr lang="en-US" altLang="ja-JP" dirty="0" err="1">
-                <a:solidFill>
-                  <a:srgbClr val="FF0000"/>
-                </a:solidFill>
-              </a:rPr>
-              <a:t>scanf</a:t>
-            </a:r>
-            <a:r>
-              <a:rPr lang="en-US" altLang="ja-JP" dirty="0">
-                <a:solidFill>
-                  <a:srgbClr val="FF0000"/>
-                </a:solidFill>
-              </a:rPr>
-              <a:t>(“%d”, &amp;change);</a:t>
-            </a:r>
-            <a:br>
-              <a:rPr lang="en-US" altLang="ja-JP" dirty="0">
-                <a:solidFill>
-                  <a:srgbClr val="FF0000"/>
-                </a:solidFill>
-              </a:rPr>
-            </a:br>
-            <a:r>
-              <a:rPr lang="en-US" altLang="ja-JP" dirty="0">
-                <a:solidFill>
-                  <a:srgbClr val="FF0000"/>
-                </a:solidFill>
-              </a:rPr>
-              <a:t>  </a:t>
-            </a:r>
-            <a:br>
-              <a:rPr lang="en-US" altLang="ja-JP" dirty="0">
-                <a:solidFill>
-                  <a:srgbClr val="FF0000"/>
-                </a:solidFill>
-              </a:rPr>
-            </a:br>
-            <a:r>
-              <a:rPr lang="en-US" altLang="ja-JP" dirty="0">
-                <a:solidFill>
-                  <a:srgbClr val="FF0000"/>
-                </a:solidFill>
-              </a:rPr>
-              <a:t>  //</a:t>
-            </a:r>
-            <a:r>
-              <a:rPr lang="ja-JP" altLang="en-US" dirty="0">
-                <a:solidFill>
-                  <a:srgbClr val="FF0000"/>
-                </a:solidFill>
-              </a:rPr>
-              <a:t>入力された状態値を</a:t>
-            </a:r>
-            <a:r>
-              <a:rPr lang="en-US" altLang="ja-JP" dirty="0">
-                <a:solidFill>
-                  <a:srgbClr val="FF0000"/>
-                </a:solidFill>
-              </a:rPr>
-              <a:t>OR</a:t>
-            </a:r>
-            <a:r>
-              <a:rPr lang="ja-JP" altLang="en-US" dirty="0">
-                <a:solidFill>
-                  <a:srgbClr val="FF0000"/>
-                </a:solidFill>
-              </a:rPr>
-              <a:t>演算する</a:t>
-            </a:r>
-            <a:br>
-              <a:rPr lang="en-US" altLang="ja-JP" dirty="0">
-                <a:solidFill>
-                  <a:srgbClr val="FF0000"/>
-                </a:solidFill>
-              </a:rPr>
-            </a:br>
-            <a:r>
-              <a:rPr lang="en-US" altLang="ja-JP" dirty="0">
-                <a:solidFill>
-                  <a:srgbClr val="FF0000"/>
-                </a:solidFill>
-              </a:rPr>
-              <a:t>  *status |= change;</a:t>
-            </a:r>
-            <a:br>
-              <a:rPr lang="en-US" altLang="ja-JP" dirty="0">
-                <a:solidFill>
-                  <a:srgbClr val="FF0000"/>
-                </a:solidFill>
-              </a:rPr>
-            </a:br>
-            <a:r>
-              <a:rPr lang="en-US" altLang="ja-JP" dirty="0">
-                <a:solidFill>
-                  <a:srgbClr val="FF0000"/>
-                </a:solidFill>
-              </a:rPr>
-              <a:t>}  </a:t>
-            </a:r>
-            <a:endParaRPr kumimoji="1" lang="en-US" altLang="ja-JP" dirty="0">
-              <a:solidFill>
-                <a:srgbClr val="FF0000"/>
-              </a:solidFill>
-            </a:endParaRPr>
+              <a:rPr lang="en-US" altLang="ja-JP" dirty="0" err="1"/>
+              <a:t>dispStatus</a:t>
+            </a:r>
+            <a:r>
+              <a:rPr lang="en-US" altLang="ja-JP" dirty="0"/>
+              <a:t>(Status);</a:t>
+            </a:r>
+            <a:br>
+              <a:rPr lang="en-US" altLang="ja-JP" dirty="0"/>
+            </a:br>
+            <a:r>
+              <a:rPr lang="en-US" altLang="ja-JP" dirty="0"/>
+              <a:t>}</a:t>
+            </a:r>
+            <a:endParaRPr kumimoji="1" lang="en-US" altLang="ja-JP" dirty="0"/>
           </a:p>
         </p:txBody>
       </p:sp>
@@ -7818,7 +8389,7 @@
           <p:cNvPr id="4" name="テキスト ボックス 3">
             <a:extLst>
               <a:ext uri="{FF2B5EF4-FFF2-40B4-BE49-F238E27FC236}">
-                <a16:creationId xmlns:a16="http://schemas.microsoft.com/office/drawing/2014/main" id="{3A96C47E-C4A9-4D18-8D75-C3C673906BC8}"/>
+                <a16:creationId xmlns:a16="http://schemas.microsoft.com/office/drawing/2014/main" id="{19A40EC9-B764-470B-8533-CFC8562AA56C}"/>
               </a:ext>
             </a:extLst>
           </p:cNvPr>
@@ -7855,7 +8426,7 @@
     </p:spTree>
     <p:extLst>
       <p:ext uri="{BB962C8B-B14F-4D97-AF65-F5344CB8AC3E}">
-        <p14:creationId xmlns:p14="http://schemas.microsoft.com/office/powerpoint/2010/main" val="3142726399"/>
+        <p14:creationId xmlns:p14="http://schemas.microsoft.com/office/powerpoint/2010/main" val="4061889376"/>
       </p:ext>
     </p:extLst>
   </p:cSld>
